--- a/A pálinka mesterei/A pálinka mesterei.pptx
+++ b/A pálinka mesterei/A pálinka mesterei.pptx
@@ -5,12 +5,27 @@
     <p:sldMasterId id="2147483648" r:id="rId1"/>
   </p:sldMasterIdLst>
   <p:notesMasterIdLst>
-    <p:notesMasterId r:id="rId5"/>
+    <p:notesMasterId r:id="rId20"/>
   </p:notesMasterIdLst>
   <p:sldIdLst>
     <p:sldId id="256" r:id="rId2"/>
     <p:sldId id="259" r:id="rId3"/>
-    <p:sldId id="258" r:id="rId4"/>
+    <p:sldId id="260" r:id="rId4"/>
+    <p:sldId id="258" r:id="rId5"/>
+    <p:sldId id="268" r:id="rId6"/>
+    <p:sldId id="267" r:id="rId7"/>
+    <p:sldId id="274" r:id="rId8"/>
+    <p:sldId id="269" r:id="rId9"/>
+    <p:sldId id="270" r:id="rId10"/>
+    <p:sldId id="271" r:id="rId11"/>
+    <p:sldId id="272" r:id="rId12"/>
+    <p:sldId id="273" r:id="rId13"/>
+    <p:sldId id="261" r:id="rId14"/>
+    <p:sldId id="262" r:id="rId15"/>
+    <p:sldId id="263" r:id="rId16"/>
+    <p:sldId id="264" r:id="rId17"/>
+    <p:sldId id="265" r:id="rId18"/>
+    <p:sldId id="266" r:id="rId19"/>
   </p:sldIdLst>
   <p:sldSz cx="12192000" cy="6858000"/>
   <p:notesSz cx="6858000" cy="9144000"/>
@@ -109,6 +124,11 @@
       </a:defRPr>
     </a:lvl9pPr>
   </p:defaultTextStyle>
+  <p:extLst>
+    <p:ext uri="{EFAFB233-063F-42B5-8137-9DF3F51BA10A}">
+      <p15:sldGuideLst xmlns:p15="http://schemas.microsoft.com/office/powerpoint/2012/main"/>
+    </p:ext>
+  </p:extLst>
 </p:presentation>
 </file>
 
@@ -206,7 +226,7 @@
           <a:p>
             <a:fld id="{72693999-B92A-4BAC-BEB4-60C74F5CF71B}" type="datetimeFigureOut">
               <a:rPr lang="hu-HU" smtClean="0"/>
-              <a:t>2025. 03. 18.</a:t>
+              <a:t>2025. 03. 25.</a:t>
             </a:fld>
             <a:endParaRPr lang="hu-HU"/>
           </a:p>
@@ -612,7 +632,7 @@
           <a:p>
             <a:fld id="{48A87A34-81AB-432B-8DAE-1953F412C126}" type="datetimeFigureOut">
               <a:rPr lang="en-US" dirty="0"/>
-              <a:t>3/18/2025</a:t>
+              <a:t>3/25/2025</a:t>
             </a:fld>
             <a:endParaRPr lang="en-US" dirty="0"/>
           </a:p>
@@ -787,7 +807,7 @@
           <a:p>
             <a:fld id="{48A87A34-81AB-432B-8DAE-1953F412C126}" type="datetimeFigureOut">
               <a:rPr lang="en-US" dirty="0"/>
-              <a:t>3/18/2025</a:t>
+              <a:t>3/25/2025</a:t>
             </a:fld>
             <a:endParaRPr lang="en-US" dirty="0"/>
           </a:p>
@@ -966,7 +986,7 @@
           <a:p>
             <a:fld id="{48A87A34-81AB-432B-8DAE-1953F412C126}" type="datetimeFigureOut">
               <a:rPr lang="en-US" dirty="0"/>
-              <a:t>3/18/2025</a:t>
+              <a:t>3/25/2025</a:t>
             </a:fld>
             <a:endParaRPr lang="en-US" dirty="0"/>
           </a:p>
@@ -1131,7 +1151,7 @@
           <a:p>
             <a:fld id="{48A87A34-81AB-432B-8DAE-1953F412C126}" type="datetimeFigureOut">
               <a:rPr lang="en-US" dirty="0"/>
-              <a:t>3/18/2025</a:t>
+              <a:t>3/25/2025</a:t>
             </a:fld>
             <a:endParaRPr lang="en-US" dirty="0"/>
           </a:p>
@@ -1374,7 +1394,7 @@
           <a:p>
             <a:fld id="{48A87A34-81AB-432B-8DAE-1953F412C126}" type="datetimeFigureOut">
               <a:rPr lang="en-US" dirty="0"/>
-              <a:t>3/18/2025</a:t>
+              <a:t>3/25/2025</a:t>
             </a:fld>
             <a:endParaRPr lang="en-US" dirty="0"/>
           </a:p>
@@ -1606,7 +1626,7 @@
           <a:p>
             <a:fld id="{48A87A34-81AB-432B-8DAE-1953F412C126}" type="datetimeFigureOut">
               <a:rPr lang="en-US" dirty="0"/>
-              <a:t>3/18/2025</a:t>
+              <a:t>3/25/2025</a:t>
             </a:fld>
             <a:endParaRPr lang="en-US" dirty="0"/>
           </a:p>
@@ -1986,7 +2006,7 @@
           <a:p>
             <a:fld id="{48A87A34-81AB-432B-8DAE-1953F412C126}" type="datetimeFigureOut">
               <a:rPr lang="en-US" dirty="0"/>
-              <a:t>3/18/2025</a:t>
+              <a:t>3/25/2025</a:t>
             </a:fld>
             <a:endParaRPr lang="en-US" dirty="0"/>
           </a:p>
@@ -2099,7 +2119,7 @@
           <a:p>
             <a:fld id="{48A87A34-81AB-432B-8DAE-1953F412C126}" type="datetimeFigureOut">
               <a:rPr lang="en-US" dirty="0"/>
-              <a:t>3/18/2025</a:t>
+              <a:t>3/25/2025</a:t>
             </a:fld>
             <a:endParaRPr lang="en-US" dirty="0"/>
           </a:p>
@@ -2189,7 +2209,7 @@
           <a:p>
             <a:fld id="{48A87A34-81AB-432B-8DAE-1953F412C126}" type="datetimeFigureOut">
               <a:rPr lang="en-US" dirty="0"/>
-              <a:t>3/18/2025</a:t>
+              <a:t>3/25/2025</a:t>
             </a:fld>
             <a:endParaRPr lang="en-US" dirty="0"/>
           </a:p>
@@ -2435,7 +2455,7 @@
           <a:p>
             <a:fld id="{48A87A34-81AB-432B-8DAE-1953F412C126}" type="datetimeFigureOut">
               <a:rPr lang="en-US" dirty="0"/>
-              <a:t>3/18/2025</a:t>
+              <a:t>3/25/2025</a:t>
             </a:fld>
             <a:endParaRPr lang="en-US" dirty="0"/>
           </a:p>
@@ -2822,7 +2842,7 @@
             <a:fld id="{48A87A34-81AB-432B-8DAE-1953F412C126}" type="datetimeFigureOut">
               <a:rPr lang="en-US" dirty="0"/>
               <a:pPr/>
-              <a:t>3/18/2025</a:t>
+              <a:t>3/25/2025</a:t>
             </a:fld>
             <a:endParaRPr lang="en-US" dirty="0"/>
           </a:p>
@@ -3035,7 +3055,7 @@
             <a:fld id="{48A87A34-81AB-432B-8DAE-1953F412C126}" type="datetimeFigureOut">
               <a:rPr lang="en-US" dirty="0"/>
               <a:pPr/>
-              <a:t>3/18/2025</a:t>
+              <a:t>3/25/2025</a:t>
             </a:fld>
             <a:endParaRPr lang="en-US" dirty="0"/>
           </a:p>
@@ -3695,6 +3715,2923 @@
 </p:sld>
 </file>
 
+<file path=ppt/slides/slide10.xml><?xml version="1.0" encoding="utf-8"?>
+<p:sld xmlns:a="http://schemas.openxmlformats.org/drawingml/2006/main" xmlns:r="http://schemas.openxmlformats.org/officeDocument/2006/relationships" xmlns:p="http://schemas.openxmlformats.org/presentationml/2006/main">
+  <p:cSld>
+    <p:bg>
+      <p:bgPr>
+        <a:gradFill rotWithShape="1">
+          <a:gsLst>
+            <a:gs pos="100000">
+              <a:srgbClr val="510D1F"/>
+            </a:gs>
+            <a:gs pos="100000">
+              <a:schemeClr val="bg1">
+                <a:shade val="80000"/>
+              </a:schemeClr>
+            </a:gs>
+          </a:gsLst>
+          <a:path path="circle">
+            <a:fillToRect l="50000" t="50000" r="50000" b="50000"/>
+          </a:path>
+        </a:gradFill>
+        <a:effectLst/>
+      </p:bgPr>
+    </p:bg>
+    <p:spTree>
+      <p:nvGrpSpPr>
+        <p:cNvPr id="1" name=""/>
+        <p:cNvGrpSpPr/>
+        <p:nvPr/>
+      </p:nvGrpSpPr>
+      <p:grpSpPr>
+        <a:xfrm>
+          <a:off x="0" y="0"/>
+          <a:ext cx="0" cy="0"/>
+          <a:chOff x="0" y="0"/>
+          <a:chExt cx="0" cy="0"/>
+        </a:xfrm>
+      </p:grpSpPr>
+      <p:sp>
+        <p:nvSpPr>
+          <p:cNvPr id="2" name="Cím 1">
+            <a:extLst>
+              <a:ext uri="{FF2B5EF4-FFF2-40B4-BE49-F238E27FC236}">
+                <a16:creationId xmlns:a16="http://schemas.microsoft.com/office/drawing/2014/main" id="{CB91A2B6-AC10-4786-A0C1-E3676B451473}"/>
+              </a:ext>
+            </a:extLst>
+          </p:cNvPr>
+          <p:cNvSpPr>
+            <a:spLocks noGrp="1"/>
+          </p:cNvSpPr>
+          <p:nvPr>
+            <p:ph type="title"/>
+          </p:nvPr>
+        </p:nvSpPr>
+        <p:spPr/>
+        <p:txBody>
+          <a:bodyPr/>
+          <a:lstStyle/>
+          <a:p>
+            <a:pPr algn="l"/>
+            <a:r>
+              <a:rPr lang="hu-HU" dirty="0" err="1"/>
+              <a:t>WEboldal</a:t>
+            </a:r>
+            <a:endParaRPr lang="hu-HU" dirty="0"/>
+          </a:p>
+        </p:txBody>
+      </p:sp>
+      <p:sp>
+        <p:nvSpPr>
+          <p:cNvPr id="3" name="Tartalom helye 2">
+            <a:extLst>
+              <a:ext uri="{FF2B5EF4-FFF2-40B4-BE49-F238E27FC236}">
+                <a16:creationId xmlns:a16="http://schemas.microsoft.com/office/drawing/2014/main" id="{8C4C2849-5B02-43B1-9375-032B3D549E43}"/>
+              </a:ext>
+            </a:extLst>
+          </p:cNvPr>
+          <p:cNvSpPr>
+            <a:spLocks noGrp="1"/>
+          </p:cNvSpPr>
+          <p:nvPr>
+            <p:ph idx="1"/>
+          </p:nvPr>
+        </p:nvSpPr>
+        <p:spPr>
+          <a:xfrm>
+            <a:off x="358275" y="1676983"/>
+            <a:ext cx="3606892" cy="4504338"/>
+          </a:xfrm>
+        </p:spPr>
+        <p:txBody>
+          <a:bodyPr>
+            <a:normAutofit fontScale="85000" lnSpcReduction="20000"/>
+          </a:bodyPr>
+          <a:lstStyle/>
+          <a:p>
+            <a:r>
+              <a:rPr lang="hu-HU" b="1" dirty="0"/>
+              <a:t>Pálinka készítés (index.html a </a:t>
+            </a:r>
+            <a:r>
+              <a:rPr lang="hu-HU" b="1" dirty="0" err="1"/>
+              <a:t>palinka_blog</a:t>
+            </a:r>
+            <a:r>
+              <a:rPr lang="hu-HU" b="1" dirty="0"/>
+              <a:t> mappában)</a:t>
+            </a:r>
+          </a:p>
+          <a:p>
+            <a:r>
+              <a:rPr lang="hu-HU" b="1" dirty="0"/>
+              <a:t>Látható</a:t>
+            </a:r>
+            <a:r>
+              <a:rPr lang="hu-HU" dirty="0"/>
+              <a:t>: Oktató jellegű oldal: </a:t>
+            </a:r>
+          </a:p>
+          <a:p>
+            <a:pPr lvl="1"/>
+            <a:r>
+              <a:rPr lang="hu-HU" dirty="0"/>
+              <a:t>Navigációs sáv (Főoldal, Webshop, Játék).</a:t>
+            </a:r>
+          </a:p>
+          <a:p>
+            <a:pPr lvl="1"/>
+            <a:r>
+              <a:rPr lang="hu-HU" dirty="0"/>
+              <a:t>YouTube videó a pálinkafőzésről.</a:t>
+            </a:r>
+          </a:p>
+          <a:p>
+            <a:pPr lvl="1"/>
+            <a:r>
+              <a:rPr lang="hu-HU" dirty="0"/>
+              <a:t>Szöveges leírás és képek a pálinkakészítés lépéseiről (gyümölcs, cefrézés, lepárlás, érlelés, palackozás).</a:t>
+            </a:r>
+          </a:p>
+          <a:p>
+            <a:pPr lvl="1"/>
+            <a:r>
+              <a:rPr lang="hu-HU" dirty="0"/>
+              <a:t>Lábléc elérhetőségekkel.</a:t>
+            </a:r>
+          </a:p>
+          <a:p>
+            <a:r>
+              <a:rPr lang="hu-HU" b="1" dirty="0"/>
+              <a:t>Mit csinál</a:t>
+            </a:r>
+            <a:r>
+              <a:rPr lang="hu-HU" dirty="0"/>
+              <a:t>: Bemutatja a pálinkafőzés folyamatát lépésről lépésre, informatív és vizuális tartalommal.</a:t>
+            </a:r>
+          </a:p>
+          <a:p>
+            <a:endParaRPr lang="hu-HU" dirty="0"/>
+          </a:p>
+        </p:txBody>
+      </p:sp>
+      <p:pic>
+        <p:nvPicPr>
+          <p:cNvPr id="4" name="Kép 3">
+            <a:extLst>
+              <a:ext uri="{FF2B5EF4-FFF2-40B4-BE49-F238E27FC236}">
+                <a16:creationId xmlns:a16="http://schemas.microsoft.com/office/drawing/2014/main" id="{A2753CF5-31D1-4986-9BBE-16025D3C7783}"/>
+              </a:ext>
+            </a:extLst>
+          </p:cNvPr>
+          <p:cNvPicPr>
+            <a:picLocks noChangeAspect="1"/>
+          </p:cNvPicPr>
+          <p:nvPr/>
+        </p:nvPicPr>
+        <p:blipFill>
+          <a:blip r:embed="rId2"/>
+          <a:stretch>
+            <a:fillRect/>
+          </a:stretch>
+        </p:blipFill>
+        <p:spPr>
+          <a:xfrm>
+            <a:off x="5058471" y="102311"/>
+            <a:ext cx="7133529" cy="3826841"/>
+          </a:xfrm>
+          <a:prstGeom prst="rect">
+            <a:avLst/>
+          </a:prstGeom>
+        </p:spPr>
+      </p:pic>
+    </p:spTree>
+    <p:extLst>
+      <p:ext uri="{BB962C8B-B14F-4D97-AF65-F5344CB8AC3E}">
+        <p14:creationId xmlns:p14="http://schemas.microsoft.com/office/powerpoint/2010/main" val="183552321"/>
+      </p:ext>
+    </p:extLst>
+  </p:cSld>
+  <p:clrMapOvr>
+    <a:masterClrMapping/>
+  </p:clrMapOvr>
+</p:sld>
+</file>
+
+<file path=ppt/slides/slide11.xml><?xml version="1.0" encoding="utf-8"?>
+<p:sld xmlns:a="http://schemas.openxmlformats.org/drawingml/2006/main" xmlns:r="http://schemas.openxmlformats.org/officeDocument/2006/relationships" xmlns:p="http://schemas.openxmlformats.org/presentationml/2006/main">
+  <p:cSld>
+    <p:bg>
+      <p:bgPr>
+        <a:gradFill rotWithShape="1">
+          <a:gsLst>
+            <a:gs pos="0">
+              <a:srgbClr val="0B0B0B"/>
+            </a:gs>
+            <a:gs pos="20000">
+              <a:srgbClr val="510D1F"/>
+            </a:gs>
+            <a:gs pos="0">
+              <a:schemeClr val="bg1">
+                <a:shade val="80000"/>
+              </a:schemeClr>
+            </a:gs>
+          </a:gsLst>
+          <a:path path="circle">
+            <a:fillToRect l="50000" t="50000" r="50000" b="50000"/>
+          </a:path>
+        </a:gradFill>
+        <a:effectLst/>
+      </p:bgPr>
+    </p:bg>
+    <p:spTree>
+      <p:nvGrpSpPr>
+        <p:cNvPr id="1" name=""/>
+        <p:cNvGrpSpPr/>
+        <p:nvPr/>
+      </p:nvGrpSpPr>
+      <p:grpSpPr>
+        <a:xfrm>
+          <a:off x="0" y="0"/>
+          <a:ext cx="0" cy="0"/>
+          <a:chOff x="0" y="0"/>
+          <a:chExt cx="0" cy="0"/>
+        </a:xfrm>
+      </p:grpSpPr>
+      <p:sp>
+        <p:nvSpPr>
+          <p:cNvPr id="2" name="Cím 1">
+            <a:extLst>
+              <a:ext uri="{FF2B5EF4-FFF2-40B4-BE49-F238E27FC236}">
+                <a16:creationId xmlns:a16="http://schemas.microsoft.com/office/drawing/2014/main" id="{1F3511F9-E5F8-4BF4-9ACF-094BECD7E5C0}"/>
+              </a:ext>
+            </a:extLst>
+          </p:cNvPr>
+          <p:cNvSpPr>
+            <a:spLocks noGrp="1"/>
+          </p:cNvSpPr>
+          <p:nvPr>
+            <p:ph type="title"/>
+          </p:nvPr>
+        </p:nvSpPr>
+        <p:spPr/>
+        <p:txBody>
+          <a:bodyPr/>
+          <a:lstStyle/>
+          <a:p>
+            <a:pPr algn="l"/>
+            <a:r>
+              <a:rPr lang="hu-HU" dirty="0"/>
+              <a:t>Weboldal</a:t>
+            </a:r>
+          </a:p>
+        </p:txBody>
+      </p:sp>
+      <p:sp>
+        <p:nvSpPr>
+          <p:cNvPr id="3" name="Tartalom helye 2">
+            <a:extLst>
+              <a:ext uri="{FF2B5EF4-FFF2-40B4-BE49-F238E27FC236}">
+                <a16:creationId xmlns:a16="http://schemas.microsoft.com/office/drawing/2014/main" id="{96C8F3E8-96FF-4056-B71A-237983488E22}"/>
+              </a:ext>
+            </a:extLst>
+          </p:cNvPr>
+          <p:cNvSpPr>
+            <a:spLocks noGrp="1"/>
+          </p:cNvSpPr>
+          <p:nvPr>
+            <p:ph idx="1"/>
+          </p:nvPr>
+        </p:nvSpPr>
+        <p:spPr>
+          <a:xfrm>
+            <a:off x="5804452" y="288236"/>
+            <a:ext cx="4938342" cy="6122504"/>
+          </a:xfrm>
+        </p:spPr>
+        <p:txBody>
+          <a:bodyPr>
+            <a:normAutofit fontScale="92500" lnSpcReduction="10000"/>
+          </a:bodyPr>
+          <a:lstStyle/>
+          <a:p>
+            <a:r>
+              <a:rPr lang="hu-HU" b="1" dirty="0"/>
+              <a:t>6. Kosár (index.html a </a:t>
+            </a:r>
+            <a:r>
+              <a:rPr lang="hu-HU" b="1" dirty="0" err="1"/>
+              <a:t>kosar</a:t>
+            </a:r>
+            <a:r>
+              <a:rPr lang="hu-HU" b="1" dirty="0"/>
+              <a:t> mappában)</a:t>
+            </a:r>
+          </a:p>
+          <a:p>
+            <a:r>
+              <a:rPr lang="hu-HU" b="1" dirty="0"/>
+              <a:t>Látható</a:t>
+            </a:r>
+            <a:r>
+              <a:rPr lang="hu-HU" dirty="0"/>
+              <a:t>: Kosár tartalmának összefoglalója: </a:t>
+            </a:r>
+          </a:p>
+          <a:p>
+            <a:pPr lvl="1"/>
+            <a:r>
+              <a:rPr lang="hu-HU" dirty="0"/>
+              <a:t>Navigációs sáv (Főoldal, Webshop, Pálinka készítés, Játék).</a:t>
+            </a:r>
+          </a:p>
+          <a:p>
+            <a:pPr lvl="1"/>
+            <a:r>
+              <a:rPr lang="hu-HU" dirty="0"/>
+              <a:t>Táblázat (</a:t>
+            </a:r>
+            <a:r>
+              <a:rPr lang="hu-HU" dirty="0" err="1"/>
+              <a:t>desktop</a:t>
+            </a:r>
+            <a:r>
+              <a:rPr lang="hu-HU" dirty="0"/>
+              <a:t>) vagy kártyák (mobil) a kosár tartalmával (kép, termék, ár, mennyiség, összesen).</a:t>
+            </a:r>
+          </a:p>
+          <a:p>
+            <a:pPr lvl="1"/>
+            <a:r>
+              <a:rPr lang="hu-HU" dirty="0"/>
+              <a:t>Végösszeg, kupon beváltási lehetőség, rendelés leadása és kosár ürítése gombok.</a:t>
+            </a:r>
+          </a:p>
+          <a:p>
+            <a:pPr lvl="1"/>
+            <a:r>
+              <a:rPr lang="hu-HU" dirty="0" err="1"/>
+              <a:t>Modál</a:t>
+            </a:r>
+            <a:r>
+              <a:rPr lang="hu-HU" dirty="0"/>
+              <a:t> ablakok rendelés megerősítésére és értesítésekre.</a:t>
+            </a:r>
+          </a:p>
+          <a:p>
+            <a:r>
+              <a:rPr lang="hu-HU" b="1" dirty="0"/>
+              <a:t>Mit csinál</a:t>
+            </a:r>
+            <a:r>
+              <a:rPr lang="hu-HU" dirty="0"/>
+              <a:t>: Megjeleníti a kosár tartalmát, lehetővé teszi a rendelés leadását és a kosár kezelését (pl. ürítés, kupon beváltás).</a:t>
+            </a:r>
+          </a:p>
+          <a:p>
+            <a:endParaRPr lang="hu-HU" dirty="0"/>
+          </a:p>
+        </p:txBody>
+      </p:sp>
+      <p:pic>
+        <p:nvPicPr>
+          <p:cNvPr id="5" name="Kép 4">
+            <a:extLst>
+              <a:ext uri="{FF2B5EF4-FFF2-40B4-BE49-F238E27FC236}">
+                <a16:creationId xmlns:a16="http://schemas.microsoft.com/office/drawing/2014/main" id="{2A87692E-798B-45E1-88DD-DF608D94F1D3}"/>
+              </a:ext>
+            </a:extLst>
+          </p:cNvPr>
+          <p:cNvPicPr>
+            <a:picLocks noChangeAspect="1"/>
+          </p:cNvPicPr>
+          <p:nvPr/>
+        </p:nvPicPr>
+        <p:blipFill>
+          <a:blip r:embed="rId2"/>
+          <a:stretch>
+            <a:fillRect/>
+          </a:stretch>
+        </p:blipFill>
+        <p:spPr>
+          <a:xfrm>
+            <a:off x="104192" y="2256182"/>
+            <a:ext cx="5614289" cy="3011832"/>
+          </a:xfrm>
+          <a:prstGeom prst="rect">
+            <a:avLst/>
+          </a:prstGeom>
+        </p:spPr>
+      </p:pic>
+    </p:spTree>
+    <p:extLst>
+      <p:ext uri="{BB962C8B-B14F-4D97-AF65-F5344CB8AC3E}">
+        <p14:creationId xmlns:p14="http://schemas.microsoft.com/office/powerpoint/2010/main" val="2539661517"/>
+      </p:ext>
+    </p:extLst>
+  </p:cSld>
+  <p:clrMapOvr>
+    <a:masterClrMapping/>
+  </p:clrMapOvr>
+</p:sld>
+</file>
+
+<file path=ppt/slides/slide12.xml><?xml version="1.0" encoding="utf-8"?>
+<p:sld xmlns:a="http://schemas.openxmlformats.org/drawingml/2006/main" xmlns:r="http://schemas.openxmlformats.org/officeDocument/2006/relationships" xmlns:p="http://schemas.openxmlformats.org/presentationml/2006/main">
+  <p:cSld>
+    <p:bg>
+      <p:bgPr>
+        <a:gradFill rotWithShape="1">
+          <a:gsLst>
+            <a:gs pos="100000">
+              <a:srgbClr val="510D1F"/>
+            </a:gs>
+            <a:gs pos="100000">
+              <a:srgbClr val="510D1F"/>
+            </a:gs>
+          </a:gsLst>
+          <a:path path="circle">
+            <a:fillToRect l="50000" t="50000" r="50000" b="50000"/>
+          </a:path>
+        </a:gradFill>
+        <a:effectLst/>
+      </p:bgPr>
+    </p:bg>
+    <p:spTree>
+      <p:nvGrpSpPr>
+        <p:cNvPr id="1" name=""/>
+        <p:cNvGrpSpPr/>
+        <p:nvPr/>
+      </p:nvGrpSpPr>
+      <p:grpSpPr>
+        <a:xfrm>
+          <a:off x="0" y="0"/>
+          <a:ext cx="0" cy="0"/>
+          <a:chOff x="0" y="0"/>
+          <a:chExt cx="0" cy="0"/>
+        </a:xfrm>
+      </p:grpSpPr>
+      <p:sp>
+        <p:nvSpPr>
+          <p:cNvPr id="2" name="Cím 1">
+            <a:extLst>
+              <a:ext uri="{FF2B5EF4-FFF2-40B4-BE49-F238E27FC236}">
+                <a16:creationId xmlns:a16="http://schemas.microsoft.com/office/drawing/2014/main" id="{F502A945-3156-4D68-A8AC-B554C8B557E2}"/>
+              </a:ext>
+            </a:extLst>
+          </p:cNvPr>
+          <p:cNvSpPr>
+            <a:spLocks noGrp="1"/>
+          </p:cNvSpPr>
+          <p:nvPr>
+            <p:ph type="title"/>
+          </p:nvPr>
+        </p:nvSpPr>
+        <p:spPr>
+          <a:xfrm>
+            <a:off x="-20134" y="0"/>
+            <a:ext cx="9291215" cy="1049235"/>
+          </a:xfrm>
+        </p:spPr>
+        <p:txBody>
+          <a:bodyPr/>
+          <a:lstStyle/>
+          <a:p>
+            <a:pPr algn="l"/>
+            <a:r>
+              <a:rPr lang="hu-HU" dirty="0" err="1"/>
+              <a:t>WEboldal</a:t>
+            </a:r>
+            <a:endParaRPr lang="hu-HU" dirty="0"/>
+          </a:p>
+        </p:txBody>
+      </p:sp>
+      <p:sp>
+        <p:nvSpPr>
+          <p:cNvPr id="3" name="Tartalom helye 2">
+            <a:extLst>
+              <a:ext uri="{FF2B5EF4-FFF2-40B4-BE49-F238E27FC236}">
+                <a16:creationId xmlns:a16="http://schemas.microsoft.com/office/drawing/2014/main" id="{16D4741C-E23E-4B1C-90B3-0DDCED9D5550}"/>
+              </a:ext>
+            </a:extLst>
+          </p:cNvPr>
+          <p:cNvSpPr>
+            <a:spLocks noGrp="1"/>
+          </p:cNvSpPr>
+          <p:nvPr>
+            <p:ph idx="1"/>
+          </p:nvPr>
+        </p:nvSpPr>
+        <p:spPr>
+          <a:xfrm>
+            <a:off x="7799370" y="0"/>
+            <a:ext cx="4392630" cy="6858000"/>
+          </a:xfrm>
+        </p:spPr>
+        <p:txBody>
+          <a:bodyPr>
+            <a:normAutofit fontScale="92500" lnSpcReduction="10000"/>
+          </a:bodyPr>
+          <a:lstStyle/>
+          <a:p>
+            <a:r>
+              <a:rPr lang="hu-HU" b="1" dirty="0"/>
+              <a:t>7. Főoldal (</a:t>
+            </a:r>
+            <a:r>
+              <a:rPr lang="hu-HU" b="1" dirty="0" err="1"/>
+              <a:t>index.php</a:t>
+            </a:r>
+            <a:r>
+              <a:rPr lang="hu-HU" b="1" dirty="0"/>
+              <a:t>)</a:t>
+            </a:r>
+          </a:p>
+          <a:p>
+            <a:r>
+              <a:rPr lang="hu-HU" b="1" dirty="0"/>
+              <a:t>Látható</a:t>
+            </a:r>
+            <a:r>
+              <a:rPr lang="hu-HU" dirty="0"/>
+              <a:t>: </a:t>
+            </a:r>
+          </a:p>
+          <a:p>
+            <a:pPr lvl="1"/>
+            <a:r>
+              <a:rPr lang="hu-HU" dirty="0"/>
+              <a:t>Navigációs sáv (Webshop, Pálinka készítés, Játék, Bejelentkezés, Kosár, </a:t>
+            </a:r>
+            <a:r>
+              <a:rPr lang="hu-HU" dirty="0" err="1"/>
+              <a:t>admin</a:t>
+            </a:r>
+            <a:r>
+              <a:rPr lang="hu-HU" dirty="0"/>
+              <a:t> link, ha </a:t>
+            </a:r>
+            <a:r>
+              <a:rPr lang="hu-HU" dirty="0" err="1"/>
+              <a:t>admin</a:t>
+            </a:r>
+            <a:r>
+              <a:rPr lang="hu-HU" dirty="0"/>
+              <a:t> vagy).</a:t>
+            </a:r>
+          </a:p>
+          <a:p>
+            <a:pPr lvl="1"/>
+            <a:r>
+              <a:rPr lang="hu-HU" dirty="0"/>
+              <a:t>Életkor-ellenőrző felugró ablak (18+).</a:t>
+            </a:r>
+          </a:p>
+          <a:p>
+            <a:pPr lvl="1"/>
+            <a:r>
+              <a:rPr lang="hu-HU" dirty="0"/>
+              <a:t>Üdvözlő szöveg és bemutatkozás a csapatról.</a:t>
+            </a:r>
+          </a:p>
+          <a:p>
+            <a:pPr lvl="1"/>
+            <a:r>
+              <a:rPr lang="hu-HU" dirty="0" err="1"/>
+              <a:t>Carousel</a:t>
+            </a:r>
+            <a:r>
+              <a:rPr lang="hu-HU" dirty="0"/>
+              <a:t> a készítőkről (Rózsa Levente, Kovács Bence, Németh Bence).</a:t>
+            </a:r>
+          </a:p>
+          <a:p>
+            <a:pPr lvl="1"/>
+            <a:r>
+              <a:rPr lang="hu-HU" dirty="0"/>
+              <a:t>Képek és szövegek (szőlő, pálinkaprogram, pálinkás üveg).</a:t>
+            </a:r>
+          </a:p>
+          <a:p>
+            <a:pPr lvl="1"/>
+            <a:r>
+              <a:rPr lang="hu-HU" dirty="0"/>
+              <a:t>Lábléc elérhetőségekkel.</a:t>
+            </a:r>
+          </a:p>
+          <a:p>
+            <a:r>
+              <a:rPr lang="hu-HU" b="1" dirty="0"/>
+              <a:t>Mit csinál</a:t>
+            </a:r>
+            <a:r>
+              <a:rPr lang="hu-HU" dirty="0"/>
+              <a:t>: A weboldal kezdőlapja, bemutatja a csapatot és a pálinkafőzés hagyományait, valamint navigációt biztosít a többi oldalra.</a:t>
+            </a:r>
+          </a:p>
+          <a:p>
+            <a:endParaRPr lang="hu-HU" dirty="0"/>
+          </a:p>
+        </p:txBody>
+      </p:sp>
+      <p:pic>
+        <p:nvPicPr>
+          <p:cNvPr id="4" name="Kép 3">
+            <a:extLst>
+              <a:ext uri="{FF2B5EF4-FFF2-40B4-BE49-F238E27FC236}">
+                <a16:creationId xmlns:a16="http://schemas.microsoft.com/office/drawing/2014/main" id="{AA23DD9A-2C6F-4256-A45E-463843CF210A}"/>
+              </a:ext>
+            </a:extLst>
+          </p:cNvPr>
+          <p:cNvPicPr>
+            <a:picLocks noChangeAspect="1"/>
+          </p:cNvPicPr>
+          <p:nvPr/>
+        </p:nvPicPr>
+        <p:blipFill>
+          <a:blip r:embed="rId2"/>
+          <a:stretch>
+            <a:fillRect/>
+          </a:stretch>
+        </p:blipFill>
+        <p:spPr>
+          <a:xfrm>
+            <a:off x="2583918" y="524617"/>
+            <a:ext cx="5021415" cy="2693780"/>
+          </a:xfrm>
+          <a:prstGeom prst="rect">
+            <a:avLst/>
+          </a:prstGeom>
+        </p:spPr>
+      </p:pic>
+      <p:pic>
+        <p:nvPicPr>
+          <p:cNvPr id="5" name="Kép 4">
+            <a:extLst>
+              <a:ext uri="{FF2B5EF4-FFF2-40B4-BE49-F238E27FC236}">
+                <a16:creationId xmlns:a16="http://schemas.microsoft.com/office/drawing/2014/main" id="{14372A31-A423-43EE-9B07-322D486AA1DE}"/>
+              </a:ext>
+            </a:extLst>
+          </p:cNvPr>
+          <p:cNvPicPr>
+            <a:picLocks noChangeAspect="1"/>
+          </p:cNvPicPr>
+          <p:nvPr/>
+        </p:nvPicPr>
+        <p:blipFill>
+          <a:blip r:embed="rId3"/>
+          <a:stretch>
+            <a:fillRect/>
+          </a:stretch>
+        </p:blipFill>
+        <p:spPr>
+          <a:xfrm>
+            <a:off x="98201" y="3429000"/>
+            <a:ext cx="6271591" cy="3364447"/>
+          </a:xfrm>
+          <a:prstGeom prst="rect">
+            <a:avLst/>
+          </a:prstGeom>
+        </p:spPr>
+      </p:pic>
+    </p:spTree>
+    <p:extLst>
+      <p:ext uri="{BB962C8B-B14F-4D97-AF65-F5344CB8AC3E}">
+        <p14:creationId xmlns:p14="http://schemas.microsoft.com/office/powerpoint/2010/main" val="2754787108"/>
+      </p:ext>
+    </p:extLst>
+  </p:cSld>
+  <p:clrMapOvr>
+    <a:masterClrMapping/>
+  </p:clrMapOvr>
+</p:sld>
+</file>
+
+<file path=ppt/slides/slide13.xml><?xml version="1.0" encoding="utf-8"?>
+<p:sld xmlns:a="http://schemas.openxmlformats.org/drawingml/2006/main" xmlns:r="http://schemas.openxmlformats.org/officeDocument/2006/relationships" xmlns:p="http://schemas.openxmlformats.org/presentationml/2006/main">
+  <p:cSld>
+    <p:bg>
+      <p:bgPr>
+        <a:gradFill rotWithShape="1">
+          <a:gsLst>
+            <a:gs pos="100000">
+              <a:srgbClr val="510D1F"/>
+            </a:gs>
+            <a:gs pos="100000">
+              <a:schemeClr val="bg1">
+                <a:shade val="80000"/>
+              </a:schemeClr>
+            </a:gs>
+          </a:gsLst>
+          <a:path path="circle">
+            <a:fillToRect l="50000" t="50000" r="50000" b="50000"/>
+          </a:path>
+        </a:gradFill>
+        <a:effectLst/>
+      </p:bgPr>
+    </p:bg>
+    <p:spTree>
+      <p:nvGrpSpPr>
+        <p:cNvPr id="1" name=""/>
+        <p:cNvGrpSpPr/>
+        <p:nvPr/>
+      </p:nvGrpSpPr>
+      <p:grpSpPr>
+        <a:xfrm>
+          <a:off x="0" y="0"/>
+          <a:ext cx="0" cy="0"/>
+          <a:chOff x="0" y="0"/>
+          <a:chExt cx="0" cy="0"/>
+        </a:xfrm>
+      </p:grpSpPr>
+      <p:sp>
+        <p:nvSpPr>
+          <p:cNvPr id="2" name="Cím 1">
+            <a:extLst>
+              <a:ext uri="{FF2B5EF4-FFF2-40B4-BE49-F238E27FC236}">
+                <a16:creationId xmlns:a16="http://schemas.microsoft.com/office/drawing/2014/main" id="{7C695861-DA66-42F3-A5CE-F0649574D17F}"/>
+              </a:ext>
+            </a:extLst>
+          </p:cNvPr>
+          <p:cNvSpPr>
+            <a:spLocks noGrp="1"/>
+          </p:cNvSpPr>
+          <p:nvPr>
+            <p:ph type="title"/>
+          </p:nvPr>
+        </p:nvSpPr>
+        <p:spPr/>
+        <p:txBody>
+          <a:bodyPr/>
+          <a:lstStyle/>
+          <a:p>
+            <a:pPr algn="l"/>
+            <a:r>
+              <a:rPr lang="hu-HU" dirty="0"/>
+              <a:t>Backend</a:t>
+            </a:r>
+          </a:p>
+        </p:txBody>
+      </p:sp>
+      <p:sp>
+        <p:nvSpPr>
+          <p:cNvPr id="5" name="Szövegdoboz 4">
+            <a:extLst>
+              <a:ext uri="{FF2B5EF4-FFF2-40B4-BE49-F238E27FC236}">
+                <a16:creationId xmlns:a16="http://schemas.microsoft.com/office/drawing/2014/main" id="{12E6349B-01A4-46E0-8C9B-99079B8775F0}"/>
+              </a:ext>
+            </a:extLst>
+          </p:cNvPr>
+          <p:cNvSpPr txBox="1"/>
+          <p:nvPr/>
+        </p:nvSpPr>
+        <p:spPr>
+          <a:xfrm>
+            <a:off x="5536097" y="477079"/>
+            <a:ext cx="5834270" cy="3416320"/>
+          </a:xfrm>
+          <a:prstGeom prst="rect">
+            <a:avLst/>
+          </a:prstGeom>
+          <a:noFill/>
+        </p:spPr>
+        <p:txBody>
+          <a:bodyPr wrap="square" rtlCol="0">
+            <a:spAutoFit/>
+          </a:bodyPr>
+          <a:lstStyle/>
+          <a:p>
+            <a:r>
+              <a:rPr lang="hu-HU" b="1" dirty="0"/>
+              <a:t> 1.kepek tábla</a:t>
+            </a:r>
+          </a:p>
+          <a:p>
+            <a:r>
+              <a:rPr lang="hu-HU" b="1" dirty="0"/>
+              <a:t>Célja</a:t>
+            </a:r>
+            <a:r>
+              <a:rPr lang="hu-HU" dirty="0"/>
+              <a:t>: Képek tárolása, amelyek a pálinkákhoz kapcsolódnak (pl. termékfotók).</a:t>
+            </a:r>
+          </a:p>
+          <a:p>
+            <a:r>
+              <a:rPr lang="hu-HU" b="1" dirty="0"/>
+              <a:t>Mezők</a:t>
+            </a:r>
+            <a:r>
+              <a:rPr lang="hu-HU" dirty="0"/>
+              <a:t>: </a:t>
+            </a:r>
+          </a:p>
+          <a:p>
+            <a:pPr lvl="1"/>
+            <a:r>
+              <a:rPr lang="hu-HU" dirty="0" err="1"/>
+              <a:t>KepID</a:t>
+            </a:r>
+            <a:r>
+              <a:rPr lang="hu-HU" dirty="0"/>
+              <a:t>: Egyedi azonosító (PK, </a:t>
+            </a:r>
+            <a:r>
+              <a:rPr lang="hu-HU" dirty="0" err="1"/>
+              <a:t>auto</a:t>
+            </a:r>
+            <a:r>
+              <a:rPr lang="hu-HU" dirty="0"/>
+              <a:t> </a:t>
+            </a:r>
+            <a:r>
+              <a:rPr lang="hu-HU" dirty="0" err="1"/>
+              <a:t>increment</a:t>
+            </a:r>
+            <a:r>
+              <a:rPr lang="hu-HU" dirty="0"/>
+              <a:t>).</a:t>
+            </a:r>
+          </a:p>
+          <a:p>
+            <a:pPr lvl="1"/>
+            <a:r>
+              <a:rPr lang="hu-HU" dirty="0" err="1"/>
+              <a:t>PalinkaID</a:t>
+            </a:r>
+            <a:r>
+              <a:rPr lang="hu-HU" dirty="0"/>
+              <a:t>: A pálinka azonosítója, amelyhez a kép tartozik (FK a </a:t>
+            </a:r>
+            <a:r>
+              <a:rPr lang="hu-HU" dirty="0" err="1"/>
+              <a:t>palinka</a:t>
+            </a:r>
+            <a:r>
+              <a:rPr lang="hu-HU" dirty="0"/>
+              <a:t> táblára).</a:t>
+            </a:r>
+          </a:p>
+          <a:p>
+            <a:pPr lvl="1"/>
+            <a:r>
+              <a:rPr lang="hu-HU" dirty="0" err="1"/>
+              <a:t>KepNev</a:t>
+            </a:r>
+            <a:r>
+              <a:rPr lang="hu-HU" dirty="0"/>
+              <a:t>: A kép neve (pl. "Málna Pálinka").</a:t>
+            </a:r>
+          </a:p>
+          <a:p>
+            <a:pPr lvl="1"/>
+            <a:r>
+              <a:rPr lang="hu-HU" dirty="0" err="1"/>
+              <a:t>KepURL</a:t>
+            </a:r>
+            <a:r>
+              <a:rPr lang="hu-HU" dirty="0"/>
+              <a:t>: A kép elérési útvonala (URL).</a:t>
+            </a:r>
+          </a:p>
+          <a:p>
+            <a:r>
+              <a:rPr lang="hu-HU" b="1" dirty="0"/>
+              <a:t>Kapcsolat</a:t>
+            </a:r>
+            <a:r>
+              <a:rPr lang="hu-HU" dirty="0"/>
+              <a:t>: A </a:t>
+            </a:r>
+            <a:r>
+              <a:rPr lang="hu-HU" dirty="0" err="1"/>
+              <a:t>PalinkaID</a:t>
+            </a:r>
+            <a:r>
+              <a:rPr lang="hu-HU" dirty="0"/>
+              <a:t> mező idegen kulcs, amely a </a:t>
+            </a:r>
+            <a:r>
+              <a:rPr lang="hu-HU" dirty="0" err="1"/>
+              <a:t>palinka</a:t>
+            </a:r>
+            <a:r>
+              <a:rPr lang="hu-HU" dirty="0"/>
+              <a:t> táblára hivatkozik.</a:t>
+            </a:r>
+          </a:p>
+          <a:p>
+            <a:endParaRPr lang="hu-HU" dirty="0"/>
+          </a:p>
+        </p:txBody>
+      </p:sp>
+      <p:pic>
+        <p:nvPicPr>
+          <p:cNvPr id="11" name="Tartalom helye 10">
+            <a:extLst>
+              <a:ext uri="{FF2B5EF4-FFF2-40B4-BE49-F238E27FC236}">
+                <a16:creationId xmlns:a16="http://schemas.microsoft.com/office/drawing/2014/main" id="{E5673E02-004C-4BA0-855F-D0FCD9022E58}"/>
+              </a:ext>
+            </a:extLst>
+          </p:cNvPr>
+          <p:cNvPicPr>
+            <a:picLocks noGrp="1" noChangeAspect="1"/>
+          </p:cNvPicPr>
+          <p:nvPr>
+            <p:ph idx="1"/>
+          </p:nvPr>
+        </p:nvPicPr>
+        <p:blipFill>
+          <a:blip r:embed="rId2"/>
+          <a:stretch>
+            <a:fillRect/>
+          </a:stretch>
+        </p:blipFill>
+        <p:spPr>
+          <a:xfrm>
+            <a:off x="132739" y="2921030"/>
+            <a:ext cx="5403358" cy="2902541"/>
+          </a:xfrm>
+          <a:prstGeom prst="rect">
+            <a:avLst/>
+          </a:prstGeom>
+        </p:spPr>
+      </p:pic>
+      <p:pic>
+        <p:nvPicPr>
+          <p:cNvPr id="12" name="Kép 11">
+            <a:extLst>
+              <a:ext uri="{FF2B5EF4-FFF2-40B4-BE49-F238E27FC236}">
+                <a16:creationId xmlns:a16="http://schemas.microsoft.com/office/drawing/2014/main" id="{1DBE501D-5669-4A48-AC7E-B5094DD524CC}"/>
+              </a:ext>
+            </a:extLst>
+          </p:cNvPr>
+          <p:cNvPicPr>
+            <a:picLocks noChangeAspect="1"/>
+          </p:cNvPicPr>
+          <p:nvPr/>
+        </p:nvPicPr>
+        <p:blipFill>
+          <a:blip r:embed="rId3"/>
+          <a:stretch>
+            <a:fillRect/>
+          </a:stretch>
+        </p:blipFill>
+        <p:spPr>
+          <a:xfrm>
+            <a:off x="6096000" y="3796709"/>
+            <a:ext cx="5536095" cy="2969884"/>
+          </a:xfrm>
+          <a:prstGeom prst="rect">
+            <a:avLst/>
+          </a:prstGeom>
+        </p:spPr>
+      </p:pic>
+    </p:spTree>
+    <p:extLst>
+      <p:ext uri="{BB962C8B-B14F-4D97-AF65-F5344CB8AC3E}">
+        <p14:creationId xmlns:p14="http://schemas.microsoft.com/office/powerpoint/2010/main" val="468154626"/>
+      </p:ext>
+    </p:extLst>
+  </p:cSld>
+  <p:clrMapOvr>
+    <a:masterClrMapping/>
+  </p:clrMapOvr>
+</p:sld>
+</file>
+
+<file path=ppt/slides/slide14.xml><?xml version="1.0" encoding="utf-8"?>
+<p:sld xmlns:a="http://schemas.openxmlformats.org/drawingml/2006/main" xmlns:r="http://schemas.openxmlformats.org/officeDocument/2006/relationships" xmlns:p="http://schemas.openxmlformats.org/presentationml/2006/main">
+  <p:cSld>
+    <p:bg>
+      <p:bgPr>
+        <a:gradFill rotWithShape="1">
+          <a:gsLst>
+            <a:gs pos="100000">
+              <a:srgbClr val="510D1F"/>
+            </a:gs>
+            <a:gs pos="100000">
+              <a:srgbClr val="510D1F"/>
+            </a:gs>
+            <a:gs pos="100000">
+              <a:schemeClr val="bg1">
+                <a:shade val="80000"/>
+              </a:schemeClr>
+            </a:gs>
+          </a:gsLst>
+          <a:path path="circle">
+            <a:fillToRect l="50000" t="50000" r="50000" b="50000"/>
+          </a:path>
+        </a:gradFill>
+        <a:effectLst/>
+      </p:bgPr>
+    </p:bg>
+    <p:spTree>
+      <p:nvGrpSpPr>
+        <p:cNvPr id="1" name=""/>
+        <p:cNvGrpSpPr/>
+        <p:nvPr/>
+      </p:nvGrpSpPr>
+      <p:grpSpPr>
+        <a:xfrm>
+          <a:off x="0" y="0"/>
+          <a:ext cx="0" cy="0"/>
+          <a:chOff x="0" y="0"/>
+          <a:chExt cx="0" cy="0"/>
+        </a:xfrm>
+      </p:grpSpPr>
+      <p:sp>
+        <p:nvSpPr>
+          <p:cNvPr id="2" name="Cím 1">
+            <a:extLst>
+              <a:ext uri="{FF2B5EF4-FFF2-40B4-BE49-F238E27FC236}">
+                <a16:creationId xmlns:a16="http://schemas.microsoft.com/office/drawing/2014/main" id="{1576A4F5-001D-42B5-ACC7-B71B0A2BCE55}"/>
+              </a:ext>
+            </a:extLst>
+          </p:cNvPr>
+          <p:cNvSpPr>
+            <a:spLocks noGrp="1"/>
+          </p:cNvSpPr>
+          <p:nvPr>
+            <p:ph type="title"/>
+          </p:nvPr>
+        </p:nvSpPr>
+        <p:spPr/>
+        <p:txBody>
+          <a:bodyPr/>
+          <a:lstStyle/>
+          <a:p>
+            <a:pPr algn="l"/>
+            <a:r>
+              <a:rPr lang="hu-HU" dirty="0"/>
+              <a:t>backend</a:t>
+            </a:r>
+          </a:p>
+        </p:txBody>
+      </p:sp>
+      <p:sp>
+        <p:nvSpPr>
+          <p:cNvPr id="3" name="Tartalom helye 2">
+            <a:extLst>
+              <a:ext uri="{FF2B5EF4-FFF2-40B4-BE49-F238E27FC236}">
+                <a16:creationId xmlns:a16="http://schemas.microsoft.com/office/drawing/2014/main" id="{936EAC7C-AAE9-40F3-B40C-AFA44C514A9A}"/>
+              </a:ext>
+            </a:extLst>
+          </p:cNvPr>
+          <p:cNvSpPr>
+            <a:spLocks noGrp="1"/>
+          </p:cNvSpPr>
+          <p:nvPr>
+            <p:ph idx="1"/>
+          </p:nvPr>
+        </p:nvSpPr>
+        <p:spPr>
+          <a:xfrm>
+            <a:off x="411283" y="1995854"/>
+            <a:ext cx="5684717" cy="3917929"/>
+          </a:xfrm>
+        </p:spPr>
+        <p:txBody>
+          <a:bodyPr>
+            <a:normAutofit fontScale="70000" lnSpcReduction="20000"/>
+          </a:bodyPr>
+          <a:lstStyle/>
+          <a:p>
+            <a:r>
+              <a:rPr lang="hu-HU" b="1" dirty="0"/>
+              <a:t>2. </a:t>
+            </a:r>
+            <a:r>
+              <a:rPr lang="hu-HU" b="1" dirty="0" err="1"/>
+              <a:t>kosar</a:t>
+            </a:r>
+            <a:r>
+              <a:rPr lang="hu-HU" b="1" dirty="0"/>
+              <a:t> tábla</a:t>
+            </a:r>
+          </a:p>
+          <a:p>
+            <a:r>
+              <a:rPr lang="hu-HU" b="1" dirty="0"/>
+              <a:t>Célja</a:t>
+            </a:r>
+            <a:r>
+              <a:rPr lang="hu-HU" dirty="0"/>
+              <a:t>: A felhasználók kosarának tartalmát tárolja (bevásárlókosár funkció).</a:t>
+            </a:r>
+          </a:p>
+          <a:p>
+            <a:r>
+              <a:rPr lang="hu-HU" b="1" dirty="0"/>
+              <a:t>Mezők</a:t>
+            </a:r>
+            <a:r>
+              <a:rPr lang="hu-HU" dirty="0"/>
+              <a:t>: </a:t>
+            </a:r>
+          </a:p>
+          <a:p>
+            <a:pPr lvl="1"/>
+            <a:r>
+              <a:rPr lang="hu-HU" dirty="0" err="1"/>
+              <a:t>KosarID</a:t>
+            </a:r>
+            <a:r>
+              <a:rPr lang="hu-HU" dirty="0"/>
+              <a:t>: Egyedi azonosító (PK, </a:t>
+            </a:r>
+            <a:r>
+              <a:rPr lang="hu-HU" dirty="0" err="1"/>
+              <a:t>auto</a:t>
+            </a:r>
+            <a:r>
+              <a:rPr lang="hu-HU" dirty="0"/>
+              <a:t> </a:t>
+            </a:r>
+            <a:r>
+              <a:rPr lang="hu-HU" dirty="0" err="1"/>
+              <a:t>increment</a:t>
+            </a:r>
+            <a:r>
+              <a:rPr lang="hu-HU" dirty="0"/>
+              <a:t>).</a:t>
+            </a:r>
+          </a:p>
+          <a:p>
+            <a:pPr lvl="1"/>
+            <a:r>
+              <a:rPr lang="hu-HU" dirty="0" err="1"/>
+              <a:t>UserID</a:t>
+            </a:r>
+            <a:r>
+              <a:rPr lang="hu-HU" dirty="0"/>
+              <a:t>: A felhasználó azonosítója (FK a </a:t>
+            </a:r>
+            <a:r>
+              <a:rPr lang="hu-HU" dirty="0" err="1"/>
+              <a:t>user</a:t>
+            </a:r>
+            <a:r>
+              <a:rPr lang="hu-HU" dirty="0"/>
+              <a:t> táblára).</a:t>
+            </a:r>
+          </a:p>
+          <a:p>
+            <a:pPr lvl="1"/>
+            <a:r>
+              <a:rPr lang="hu-HU" dirty="0" err="1"/>
+              <a:t>PalinkaID</a:t>
+            </a:r>
+            <a:r>
+              <a:rPr lang="hu-HU" dirty="0"/>
+              <a:t>: A kosárban lévő pálinka azonosítója (FK a </a:t>
+            </a:r>
+            <a:r>
+              <a:rPr lang="hu-HU" dirty="0" err="1"/>
+              <a:t>palinka</a:t>
+            </a:r>
+            <a:r>
+              <a:rPr lang="hu-HU" dirty="0"/>
+              <a:t> táblára).</a:t>
+            </a:r>
+          </a:p>
+          <a:p>
+            <a:pPr lvl="1"/>
+            <a:r>
+              <a:rPr lang="hu-HU" dirty="0"/>
+              <a:t>Darab: A kosárban lévő mennyiség.</a:t>
+            </a:r>
+          </a:p>
+          <a:p>
+            <a:pPr lvl="1"/>
+            <a:r>
+              <a:rPr lang="hu-HU" dirty="0" err="1"/>
+              <a:t>Datum</a:t>
+            </a:r>
+            <a:r>
+              <a:rPr lang="hu-HU" dirty="0"/>
+              <a:t>: A kosárba helyezés időpontja (</a:t>
+            </a:r>
+            <a:r>
+              <a:rPr lang="hu-HU" dirty="0" err="1"/>
+              <a:t>timestamp</a:t>
+            </a:r>
+            <a:r>
+              <a:rPr lang="hu-HU" dirty="0"/>
+              <a:t>).</a:t>
+            </a:r>
+          </a:p>
+          <a:p>
+            <a:r>
+              <a:rPr lang="hu-HU" b="1" dirty="0"/>
+              <a:t>Kapcsolat</a:t>
+            </a:r>
+            <a:r>
+              <a:rPr lang="hu-HU" dirty="0"/>
+              <a:t>: </a:t>
+            </a:r>
+            <a:r>
+              <a:rPr lang="hu-HU" dirty="0" err="1"/>
+              <a:t>UserID</a:t>
+            </a:r>
+            <a:r>
+              <a:rPr lang="hu-HU" dirty="0"/>
+              <a:t> a </a:t>
+            </a:r>
+            <a:r>
+              <a:rPr lang="hu-HU" dirty="0" err="1"/>
+              <a:t>user</a:t>
+            </a:r>
+            <a:r>
+              <a:rPr lang="hu-HU" dirty="0"/>
+              <a:t>, </a:t>
+            </a:r>
+            <a:r>
+              <a:rPr lang="hu-HU" dirty="0" err="1"/>
+              <a:t>PalinkaID</a:t>
+            </a:r>
+            <a:r>
+              <a:rPr lang="hu-HU" dirty="0"/>
+              <a:t> a </a:t>
+            </a:r>
+            <a:r>
+              <a:rPr lang="hu-HU" dirty="0" err="1"/>
+              <a:t>palinka</a:t>
+            </a:r>
+            <a:r>
+              <a:rPr lang="hu-HU" dirty="0"/>
+              <a:t> táblára hivatkozik.</a:t>
+            </a:r>
+          </a:p>
+          <a:p>
+            <a:r>
+              <a:rPr lang="hu-HU" b="1" dirty="0"/>
+              <a:t>Megjegyzés</a:t>
+            </a:r>
+            <a:r>
+              <a:rPr lang="hu-HU" dirty="0"/>
+              <a:t>: Ez a tábla az aktív kosarakat követi nyomon, mielőtt rendeléssé alakulnak.</a:t>
+            </a:r>
+          </a:p>
+          <a:p>
+            <a:endParaRPr lang="hu-HU" dirty="0"/>
+          </a:p>
+        </p:txBody>
+      </p:sp>
+      <p:sp>
+        <p:nvSpPr>
+          <p:cNvPr id="4" name="Szövegdoboz 3">
+            <a:extLst>
+              <a:ext uri="{FF2B5EF4-FFF2-40B4-BE49-F238E27FC236}">
+                <a16:creationId xmlns:a16="http://schemas.microsoft.com/office/drawing/2014/main" id="{832A8BC8-B219-4515-987F-93FB92690F13}"/>
+              </a:ext>
+            </a:extLst>
+          </p:cNvPr>
+          <p:cNvSpPr txBox="1"/>
+          <p:nvPr/>
+        </p:nvSpPr>
+        <p:spPr>
+          <a:xfrm>
+            <a:off x="6639339" y="1995854"/>
+            <a:ext cx="4989444" cy="3970318"/>
+          </a:xfrm>
+          <a:prstGeom prst="rect">
+            <a:avLst/>
+          </a:prstGeom>
+          <a:noFill/>
+        </p:spPr>
+        <p:txBody>
+          <a:bodyPr wrap="square" rtlCol="0">
+            <a:spAutoFit/>
+          </a:bodyPr>
+          <a:lstStyle/>
+          <a:p>
+            <a:r>
+              <a:rPr lang="hu-HU" b="1" dirty="0"/>
+              <a:t>3. </a:t>
+            </a:r>
+            <a:r>
+              <a:rPr lang="hu-HU" b="1" dirty="0" err="1"/>
+              <a:t>kosar_view</a:t>
+            </a:r>
+            <a:r>
+              <a:rPr lang="hu-HU" b="1" dirty="0"/>
+              <a:t> nézet</a:t>
+            </a:r>
+          </a:p>
+          <a:p>
+            <a:r>
+              <a:rPr lang="hu-HU" b="1" dirty="0"/>
+              <a:t>Célja</a:t>
+            </a:r>
+            <a:r>
+              <a:rPr lang="hu-HU" dirty="0"/>
+              <a:t>: A kosár tartalmának részletes, ember által olvasható összefoglalása (virtuális tábla).</a:t>
+            </a:r>
+          </a:p>
+          <a:p>
+            <a:r>
+              <a:rPr lang="hu-HU" b="1" dirty="0"/>
+              <a:t>Mezők</a:t>
+            </a:r>
+            <a:r>
+              <a:rPr lang="hu-HU" dirty="0"/>
+              <a:t>: </a:t>
+            </a:r>
+          </a:p>
+          <a:p>
+            <a:pPr lvl="1"/>
+            <a:r>
+              <a:rPr lang="hu-HU" dirty="0" err="1"/>
+              <a:t>KosarID</a:t>
+            </a:r>
+            <a:r>
+              <a:rPr lang="hu-HU" dirty="0"/>
+              <a:t>, </a:t>
+            </a:r>
+            <a:r>
+              <a:rPr lang="hu-HU" dirty="0" err="1"/>
+              <a:t>UserID</a:t>
+            </a:r>
+            <a:r>
+              <a:rPr lang="hu-HU" dirty="0"/>
+              <a:t>, </a:t>
+            </a:r>
+            <a:r>
+              <a:rPr lang="hu-HU" dirty="0" err="1"/>
+              <a:t>Felhasznalo</a:t>
+            </a:r>
+            <a:r>
+              <a:rPr lang="hu-HU" dirty="0"/>
+              <a:t> (felhasználó neve), </a:t>
+            </a:r>
+            <a:r>
+              <a:rPr lang="hu-HU" dirty="0" err="1"/>
+              <a:t>PalinkaID</a:t>
+            </a:r>
+            <a:r>
+              <a:rPr lang="hu-HU" dirty="0"/>
+              <a:t>, </a:t>
+            </a:r>
+            <a:r>
+              <a:rPr lang="hu-HU" dirty="0" err="1"/>
+              <a:t>Palinka</a:t>
+            </a:r>
+            <a:r>
+              <a:rPr lang="hu-HU" dirty="0"/>
+              <a:t> (pálinka neve), </a:t>
+            </a:r>
+            <a:r>
+              <a:rPr lang="hu-HU" dirty="0" err="1"/>
+              <a:t>Egysegar</a:t>
+            </a:r>
+            <a:r>
+              <a:rPr lang="hu-HU" dirty="0"/>
+              <a:t> (egységár), Darab, </a:t>
+            </a:r>
+            <a:r>
+              <a:rPr lang="hu-HU" dirty="0" err="1"/>
+              <a:t>Osszeg</a:t>
+            </a:r>
+            <a:r>
+              <a:rPr lang="hu-HU" dirty="0"/>
+              <a:t> (összeg = egységár * darabszám), </a:t>
+            </a:r>
+            <a:r>
+              <a:rPr lang="hu-HU" dirty="0" err="1"/>
+              <a:t>Datum</a:t>
+            </a:r>
+            <a:r>
+              <a:rPr lang="hu-HU" dirty="0"/>
+              <a:t>.</a:t>
+            </a:r>
+          </a:p>
+          <a:p>
+            <a:r>
+              <a:rPr lang="hu-HU" b="1" dirty="0"/>
+              <a:t>Forrás</a:t>
+            </a:r>
+            <a:r>
+              <a:rPr lang="hu-HU" dirty="0"/>
+              <a:t>: A </a:t>
+            </a:r>
+            <a:r>
+              <a:rPr lang="hu-HU" dirty="0" err="1"/>
+              <a:t>kosar</a:t>
+            </a:r>
+            <a:r>
+              <a:rPr lang="hu-HU" dirty="0"/>
+              <a:t>, </a:t>
+            </a:r>
+            <a:r>
+              <a:rPr lang="hu-HU" dirty="0" err="1"/>
+              <a:t>user</a:t>
+            </a:r>
+            <a:r>
+              <a:rPr lang="hu-HU" dirty="0"/>
+              <a:t> és </a:t>
+            </a:r>
+            <a:r>
+              <a:rPr lang="hu-HU" dirty="0" err="1"/>
+              <a:t>palinka</a:t>
+            </a:r>
+            <a:r>
+              <a:rPr lang="hu-HU" dirty="0"/>
+              <a:t> táblákból JOIN-</a:t>
+            </a:r>
+            <a:r>
+              <a:rPr lang="hu-HU" dirty="0" err="1"/>
+              <a:t>nal</a:t>
+            </a:r>
+            <a:r>
+              <a:rPr lang="hu-HU" dirty="0"/>
+              <a:t> generálódik.</a:t>
+            </a:r>
+          </a:p>
+          <a:p>
+            <a:r>
+              <a:rPr lang="hu-HU" b="1" dirty="0"/>
+              <a:t>Használat</a:t>
+            </a:r>
+            <a:r>
+              <a:rPr lang="hu-HU" dirty="0"/>
+              <a:t>: Lekérdezésre szolgál, pl. a kosár tartalmának megjelenítésére.</a:t>
+            </a:r>
+          </a:p>
+          <a:p>
+            <a:endParaRPr lang="hu-HU" dirty="0"/>
+          </a:p>
+        </p:txBody>
+      </p:sp>
+    </p:spTree>
+    <p:extLst>
+      <p:ext uri="{BB962C8B-B14F-4D97-AF65-F5344CB8AC3E}">
+        <p14:creationId xmlns:p14="http://schemas.microsoft.com/office/powerpoint/2010/main" val="4238264329"/>
+      </p:ext>
+    </p:extLst>
+  </p:cSld>
+  <p:clrMapOvr>
+    <a:masterClrMapping/>
+  </p:clrMapOvr>
+</p:sld>
+</file>
+
+<file path=ppt/slides/slide15.xml><?xml version="1.0" encoding="utf-8"?>
+<p:sld xmlns:a="http://schemas.openxmlformats.org/drawingml/2006/main" xmlns:r="http://schemas.openxmlformats.org/officeDocument/2006/relationships" xmlns:p="http://schemas.openxmlformats.org/presentationml/2006/main">
+  <p:cSld>
+    <p:bg>
+      <p:bgPr>
+        <a:gradFill rotWithShape="1">
+          <a:gsLst>
+            <a:gs pos="100000">
+              <a:srgbClr val="510D1F"/>
+            </a:gs>
+            <a:gs pos="100000">
+              <a:schemeClr val="bg1">
+                <a:shade val="80000"/>
+              </a:schemeClr>
+            </a:gs>
+          </a:gsLst>
+          <a:path path="circle">
+            <a:fillToRect l="50000" t="50000" r="50000" b="50000"/>
+          </a:path>
+        </a:gradFill>
+        <a:effectLst/>
+      </p:bgPr>
+    </p:bg>
+    <p:spTree>
+      <p:nvGrpSpPr>
+        <p:cNvPr id="1" name=""/>
+        <p:cNvGrpSpPr/>
+        <p:nvPr/>
+      </p:nvGrpSpPr>
+      <p:grpSpPr>
+        <a:xfrm>
+          <a:off x="0" y="0"/>
+          <a:ext cx="0" cy="0"/>
+          <a:chOff x="0" y="0"/>
+          <a:chExt cx="0" cy="0"/>
+        </a:xfrm>
+      </p:grpSpPr>
+      <p:sp>
+        <p:nvSpPr>
+          <p:cNvPr id="2" name="Cím 1">
+            <a:extLst>
+              <a:ext uri="{FF2B5EF4-FFF2-40B4-BE49-F238E27FC236}">
+                <a16:creationId xmlns:a16="http://schemas.microsoft.com/office/drawing/2014/main" id="{872DF638-EF3E-4520-AE26-BC93151A7756}"/>
+              </a:ext>
+            </a:extLst>
+          </p:cNvPr>
+          <p:cNvSpPr>
+            <a:spLocks noGrp="1"/>
+          </p:cNvSpPr>
+          <p:nvPr>
+            <p:ph type="title"/>
+          </p:nvPr>
+        </p:nvSpPr>
+        <p:spPr>
+          <a:xfrm>
+            <a:off x="944684" y="486467"/>
+            <a:ext cx="9291215" cy="1049235"/>
+          </a:xfrm>
+        </p:spPr>
+        <p:txBody>
+          <a:bodyPr/>
+          <a:lstStyle/>
+          <a:p>
+            <a:pPr algn="l"/>
+            <a:r>
+              <a:rPr lang="hu-HU" dirty="0"/>
+              <a:t>backend</a:t>
+            </a:r>
+          </a:p>
+        </p:txBody>
+      </p:sp>
+      <p:sp>
+        <p:nvSpPr>
+          <p:cNvPr id="3" name="Tartalom helye 2">
+            <a:extLst>
+              <a:ext uri="{FF2B5EF4-FFF2-40B4-BE49-F238E27FC236}">
+                <a16:creationId xmlns:a16="http://schemas.microsoft.com/office/drawing/2014/main" id="{071C9041-25EB-4D2A-B875-A936EC00CAFA}"/>
+              </a:ext>
+            </a:extLst>
+          </p:cNvPr>
+          <p:cNvSpPr>
+            <a:spLocks noGrp="1"/>
+          </p:cNvSpPr>
+          <p:nvPr>
+            <p:ph idx="1"/>
+          </p:nvPr>
+        </p:nvSpPr>
+        <p:spPr>
+          <a:xfrm>
+            <a:off x="99857" y="1726297"/>
+            <a:ext cx="5605204" cy="4454642"/>
+          </a:xfrm>
+        </p:spPr>
+        <p:txBody>
+          <a:bodyPr>
+            <a:normAutofit fontScale="85000" lnSpcReduction="20000"/>
+          </a:bodyPr>
+          <a:lstStyle/>
+          <a:p>
+            <a:r>
+              <a:rPr lang="hu-HU" b="1" dirty="0"/>
+              <a:t>4. kuponok tábla</a:t>
+            </a:r>
+          </a:p>
+          <a:p>
+            <a:r>
+              <a:rPr lang="hu-HU" b="1" dirty="0"/>
+              <a:t>Célja</a:t>
+            </a:r>
+            <a:r>
+              <a:rPr lang="hu-HU" dirty="0"/>
+              <a:t>: Kedvezménykuponok tárolása.</a:t>
+            </a:r>
+          </a:p>
+          <a:p>
+            <a:r>
+              <a:rPr lang="hu-HU" b="1" dirty="0"/>
+              <a:t>Mezők</a:t>
+            </a:r>
+            <a:r>
+              <a:rPr lang="hu-HU" dirty="0"/>
+              <a:t>: </a:t>
+            </a:r>
+          </a:p>
+          <a:p>
+            <a:pPr lvl="1"/>
+            <a:r>
+              <a:rPr lang="hu-HU" dirty="0" err="1"/>
+              <a:t>KuponID</a:t>
+            </a:r>
+            <a:r>
+              <a:rPr lang="hu-HU" dirty="0"/>
+              <a:t>: Egyedi azonosító (PK, </a:t>
+            </a:r>
+            <a:r>
+              <a:rPr lang="hu-HU" dirty="0" err="1"/>
+              <a:t>auto</a:t>
+            </a:r>
+            <a:r>
+              <a:rPr lang="hu-HU" dirty="0"/>
+              <a:t> </a:t>
+            </a:r>
+            <a:r>
+              <a:rPr lang="hu-HU" dirty="0" err="1"/>
+              <a:t>increment</a:t>
+            </a:r>
+            <a:r>
+              <a:rPr lang="hu-HU" dirty="0"/>
+              <a:t>).</a:t>
+            </a:r>
+          </a:p>
+          <a:p>
+            <a:pPr lvl="1"/>
+            <a:r>
+              <a:rPr lang="hu-HU" dirty="0" err="1"/>
+              <a:t>KuponKod</a:t>
+            </a:r>
+            <a:r>
+              <a:rPr lang="hu-HU" dirty="0"/>
+              <a:t>: Egyedi kuponkód (pl. "NFP3017").</a:t>
+            </a:r>
+          </a:p>
+          <a:p>
+            <a:pPr lvl="1"/>
+            <a:r>
+              <a:rPr lang="hu-HU" dirty="0" err="1"/>
+              <a:t>LetrehozasDatum</a:t>
+            </a:r>
+            <a:r>
+              <a:rPr lang="hu-HU" dirty="0"/>
+              <a:t>: A kupon létrehozásának időpontja (</a:t>
+            </a:r>
+            <a:r>
+              <a:rPr lang="hu-HU" dirty="0" err="1"/>
+              <a:t>timestamp</a:t>
+            </a:r>
+            <a:r>
+              <a:rPr lang="hu-HU" dirty="0"/>
+              <a:t>).</a:t>
+            </a:r>
+          </a:p>
+          <a:p>
+            <a:r>
+              <a:rPr lang="hu-HU" b="1" dirty="0"/>
+              <a:t>Funkciók</a:t>
+            </a:r>
+            <a:r>
+              <a:rPr lang="hu-HU" dirty="0"/>
+              <a:t>: </a:t>
+            </a:r>
+          </a:p>
+          <a:p>
+            <a:pPr lvl="1"/>
+            <a:r>
+              <a:rPr lang="hu-HU" dirty="0"/>
+              <a:t>A </a:t>
+            </a:r>
+            <a:r>
+              <a:rPr lang="hu-HU" dirty="0" err="1"/>
+              <a:t>GenerateKuponKod</a:t>
+            </a:r>
+            <a:r>
+              <a:rPr lang="hu-HU" dirty="0"/>
+              <a:t> függvény generálja a kódokat (3 betű + 4 szám formátumban).</a:t>
+            </a:r>
+          </a:p>
+          <a:p>
+            <a:pPr lvl="1"/>
+            <a:r>
+              <a:rPr lang="hu-HU" dirty="0"/>
+              <a:t>A </a:t>
+            </a:r>
+            <a:r>
+              <a:rPr lang="hu-HU" dirty="0" err="1"/>
+              <a:t>FillKuponok</a:t>
+            </a:r>
+            <a:r>
+              <a:rPr lang="hu-HU" dirty="0"/>
+              <a:t> eljárás biztosítja, hogy mindig legalább 100 kupon legyen a táblában.</a:t>
+            </a:r>
+          </a:p>
+          <a:p>
+            <a:r>
+              <a:rPr lang="hu-HU" b="1" dirty="0" err="1"/>
+              <a:t>Trigger</a:t>
+            </a:r>
+            <a:r>
+              <a:rPr lang="hu-HU" dirty="0"/>
+              <a:t>: A </a:t>
+            </a:r>
+            <a:r>
+              <a:rPr lang="hu-HU" dirty="0" err="1"/>
+              <a:t>kupon_torles_elott</a:t>
+            </a:r>
+            <a:r>
+              <a:rPr lang="hu-HU" dirty="0"/>
+              <a:t> </a:t>
+            </a:r>
+            <a:r>
+              <a:rPr lang="hu-HU" dirty="0" err="1"/>
+              <a:t>trigger</a:t>
+            </a:r>
+            <a:r>
+              <a:rPr lang="hu-HU" dirty="0"/>
+              <a:t> naplózza a </a:t>
+            </a:r>
+            <a:r>
+              <a:rPr lang="hu-HU" dirty="0" err="1"/>
+              <a:t>törölt</a:t>
+            </a:r>
+            <a:r>
+              <a:rPr lang="hu-HU" dirty="0"/>
+              <a:t> kuponokat a </a:t>
+            </a:r>
+            <a:r>
+              <a:rPr lang="hu-HU" dirty="0" err="1"/>
+              <a:t>kupon_torles_naplo</a:t>
+            </a:r>
+            <a:r>
+              <a:rPr lang="hu-HU" dirty="0"/>
+              <a:t> táblába.</a:t>
+            </a:r>
+          </a:p>
+          <a:p>
+            <a:endParaRPr lang="hu-HU" dirty="0"/>
+          </a:p>
+        </p:txBody>
+      </p:sp>
+      <p:sp>
+        <p:nvSpPr>
+          <p:cNvPr id="4" name="Szövegdoboz 3">
+            <a:extLst>
+              <a:ext uri="{FF2B5EF4-FFF2-40B4-BE49-F238E27FC236}">
+                <a16:creationId xmlns:a16="http://schemas.microsoft.com/office/drawing/2014/main" id="{32417909-DE03-4EA4-BA3C-5C447BA093B2}"/>
+              </a:ext>
+            </a:extLst>
+          </p:cNvPr>
+          <p:cNvSpPr txBox="1"/>
+          <p:nvPr/>
+        </p:nvSpPr>
+        <p:spPr>
+          <a:xfrm>
+            <a:off x="6486940" y="1252167"/>
+            <a:ext cx="5489712" cy="4801314"/>
+          </a:xfrm>
+          <a:prstGeom prst="rect">
+            <a:avLst/>
+          </a:prstGeom>
+          <a:noFill/>
+        </p:spPr>
+        <p:txBody>
+          <a:bodyPr wrap="square" rtlCol="0">
+            <a:spAutoFit/>
+          </a:bodyPr>
+          <a:lstStyle/>
+          <a:p>
+            <a:r>
+              <a:rPr lang="hu-HU" b="1"/>
+              <a:t>5. kupon_torles_naplo tábla</a:t>
+            </a:r>
+          </a:p>
+          <a:p>
+            <a:r>
+              <a:rPr lang="hu-HU" b="1"/>
+              <a:t>Célja</a:t>
+            </a:r>
+            <a:r>
+              <a:rPr lang="hu-HU"/>
+              <a:t>: A törölt kuponok naplózása és feldolgozása.</a:t>
+            </a:r>
+          </a:p>
+          <a:p>
+            <a:r>
+              <a:rPr lang="hu-HU" b="1"/>
+              <a:t>Mezők</a:t>
+            </a:r>
+            <a:r>
+              <a:rPr lang="hu-HU"/>
+              <a:t>: </a:t>
+            </a:r>
+          </a:p>
+          <a:p>
+            <a:pPr lvl="1"/>
+            <a:r>
+              <a:rPr lang="hu-HU"/>
+              <a:t>TorlesID: Egyedi azonosító (PK, auto increment).</a:t>
+            </a:r>
+          </a:p>
+          <a:p>
+            <a:pPr lvl="1"/>
+            <a:r>
+              <a:rPr lang="hu-HU"/>
+              <a:t>ToroltKuponID: A törölt kupon azonosítója.</a:t>
+            </a:r>
+          </a:p>
+          <a:p>
+            <a:pPr lvl="1"/>
+            <a:r>
+              <a:rPr lang="hu-HU"/>
+              <a:t>ToroltKuponKod: A törölt kupon kódja.</a:t>
+            </a:r>
+          </a:p>
+          <a:p>
+            <a:pPr lvl="1"/>
+            <a:r>
+              <a:rPr lang="hu-HU"/>
+              <a:t>Feldolgozva: Jelzi, hogy feldolgozták-e (0 = nem, 1 = igen).</a:t>
+            </a:r>
+          </a:p>
+          <a:p>
+            <a:pPr lvl="1"/>
+            <a:r>
+              <a:rPr lang="hu-HU"/>
+              <a:t>TorlesDatum: A törlés időpontja (timestamp).</a:t>
+            </a:r>
+          </a:p>
+          <a:p>
+            <a:r>
+              <a:rPr lang="hu-HU" b="1"/>
+              <a:t>Funkció</a:t>
+            </a:r>
+            <a:r>
+              <a:rPr lang="hu-HU"/>
+              <a:t>: A ProcessKuponTorles eljárás kezeli a törléseket, és új kupont generál, ha a kuponok tábla száma 100 alá csökkenne.</a:t>
+            </a:r>
+          </a:p>
+          <a:p>
+            <a:r>
+              <a:rPr lang="hu-HU" b="1"/>
+              <a:t>Esemény</a:t>
+            </a:r>
+            <a:r>
+              <a:rPr lang="hu-HU"/>
+              <a:t>: A CheckKuponTorles esemény másodpercenként ellenőrzi és futtatja a ProcessKuponTorles eljárást.</a:t>
+            </a:r>
+          </a:p>
+        </p:txBody>
+      </p:sp>
+    </p:spTree>
+    <p:extLst>
+      <p:ext uri="{BB962C8B-B14F-4D97-AF65-F5344CB8AC3E}">
+        <p14:creationId xmlns:p14="http://schemas.microsoft.com/office/powerpoint/2010/main" val="1824636121"/>
+      </p:ext>
+    </p:extLst>
+  </p:cSld>
+  <p:clrMapOvr>
+    <a:masterClrMapping/>
+  </p:clrMapOvr>
+</p:sld>
+</file>
+
+<file path=ppt/slides/slide16.xml><?xml version="1.0" encoding="utf-8"?>
+<p:sld xmlns:a="http://schemas.openxmlformats.org/drawingml/2006/main" xmlns:r="http://schemas.openxmlformats.org/officeDocument/2006/relationships" xmlns:p="http://schemas.openxmlformats.org/presentationml/2006/main">
+  <p:cSld>
+    <p:bg>
+      <p:bgPr>
+        <a:gradFill rotWithShape="1">
+          <a:gsLst>
+            <a:gs pos="100000">
+              <a:srgbClr val="510D1F"/>
+            </a:gs>
+            <a:gs pos="100000">
+              <a:schemeClr val="bg1">
+                <a:shade val="80000"/>
+              </a:schemeClr>
+            </a:gs>
+          </a:gsLst>
+          <a:path path="circle">
+            <a:fillToRect l="50000" t="50000" r="50000" b="50000"/>
+          </a:path>
+        </a:gradFill>
+        <a:effectLst/>
+      </p:bgPr>
+    </p:bg>
+    <p:spTree>
+      <p:nvGrpSpPr>
+        <p:cNvPr id="1" name=""/>
+        <p:cNvGrpSpPr/>
+        <p:nvPr/>
+      </p:nvGrpSpPr>
+      <p:grpSpPr>
+        <a:xfrm>
+          <a:off x="0" y="0"/>
+          <a:ext cx="0" cy="0"/>
+          <a:chOff x="0" y="0"/>
+          <a:chExt cx="0" cy="0"/>
+        </a:xfrm>
+      </p:grpSpPr>
+      <p:sp>
+        <p:nvSpPr>
+          <p:cNvPr id="2" name="Cím 1">
+            <a:extLst>
+              <a:ext uri="{FF2B5EF4-FFF2-40B4-BE49-F238E27FC236}">
+                <a16:creationId xmlns:a16="http://schemas.microsoft.com/office/drawing/2014/main" id="{8D1DA332-C610-46F9-BD65-E931384F00DF}"/>
+              </a:ext>
+            </a:extLst>
+          </p:cNvPr>
+          <p:cNvSpPr>
+            <a:spLocks noGrp="1"/>
+          </p:cNvSpPr>
+          <p:nvPr>
+            <p:ph type="title"/>
+          </p:nvPr>
+        </p:nvSpPr>
+        <p:spPr/>
+        <p:txBody>
+          <a:bodyPr/>
+          <a:lstStyle/>
+          <a:p>
+            <a:pPr algn="l"/>
+            <a:r>
+              <a:rPr lang="hu-HU" dirty="0"/>
+              <a:t>backend</a:t>
+            </a:r>
+          </a:p>
+        </p:txBody>
+      </p:sp>
+      <p:sp>
+        <p:nvSpPr>
+          <p:cNvPr id="3" name="Tartalom helye 2">
+            <a:extLst>
+              <a:ext uri="{FF2B5EF4-FFF2-40B4-BE49-F238E27FC236}">
+                <a16:creationId xmlns:a16="http://schemas.microsoft.com/office/drawing/2014/main" id="{5AEE5C68-5042-47BA-9536-CAF6A1290CB8}"/>
+              </a:ext>
+            </a:extLst>
+          </p:cNvPr>
+          <p:cNvSpPr>
+            <a:spLocks noGrp="1"/>
+          </p:cNvSpPr>
+          <p:nvPr>
+            <p:ph idx="1"/>
+          </p:nvPr>
+        </p:nvSpPr>
+        <p:spPr>
+          <a:xfrm>
+            <a:off x="576936" y="1853754"/>
+            <a:ext cx="5426299" cy="3967625"/>
+          </a:xfrm>
+        </p:spPr>
+        <p:txBody>
+          <a:bodyPr>
+            <a:normAutofit fontScale="77500" lnSpcReduction="20000"/>
+          </a:bodyPr>
+          <a:lstStyle/>
+          <a:p>
+            <a:r>
+              <a:rPr lang="hu-HU" b="1" dirty="0"/>
+              <a:t>6. </a:t>
+            </a:r>
+            <a:r>
+              <a:rPr lang="hu-HU" b="1" dirty="0" err="1"/>
+              <a:t>palinka</a:t>
+            </a:r>
+            <a:r>
+              <a:rPr lang="hu-HU" b="1" dirty="0"/>
+              <a:t> tábla</a:t>
+            </a:r>
+          </a:p>
+          <a:p>
+            <a:r>
+              <a:rPr lang="hu-HU" b="1" dirty="0"/>
+              <a:t>Célja</a:t>
+            </a:r>
+            <a:r>
+              <a:rPr lang="hu-HU" dirty="0"/>
+              <a:t>: A pálinkák adatainak tárolása (termékkatalógus).</a:t>
+            </a:r>
+          </a:p>
+          <a:p>
+            <a:r>
+              <a:rPr lang="hu-HU" b="1" dirty="0"/>
+              <a:t>Mezők</a:t>
+            </a:r>
+            <a:r>
+              <a:rPr lang="hu-HU" dirty="0"/>
+              <a:t>: </a:t>
+            </a:r>
+          </a:p>
+          <a:p>
+            <a:pPr lvl="1"/>
+            <a:r>
+              <a:rPr lang="hu-HU" dirty="0" err="1"/>
+              <a:t>PalinkaID</a:t>
+            </a:r>
+            <a:r>
+              <a:rPr lang="hu-HU" dirty="0"/>
+              <a:t>: Egyedi azonosító (PK, </a:t>
+            </a:r>
+            <a:r>
+              <a:rPr lang="hu-HU" dirty="0" err="1"/>
+              <a:t>auto</a:t>
+            </a:r>
+            <a:r>
+              <a:rPr lang="hu-HU" dirty="0"/>
+              <a:t> </a:t>
+            </a:r>
+            <a:r>
+              <a:rPr lang="hu-HU" dirty="0" err="1"/>
+              <a:t>increment</a:t>
+            </a:r>
+            <a:r>
+              <a:rPr lang="hu-HU" dirty="0"/>
+              <a:t>).</a:t>
+            </a:r>
+          </a:p>
+          <a:p>
+            <a:pPr lvl="1"/>
+            <a:r>
+              <a:rPr lang="hu-HU" dirty="0" err="1"/>
+              <a:t>Nev</a:t>
+            </a:r>
+            <a:r>
+              <a:rPr lang="hu-HU" dirty="0"/>
+              <a:t>: A pálinka neve (pl. "Málna Pálinka").</a:t>
+            </a:r>
+          </a:p>
+          <a:p>
+            <a:pPr lvl="1"/>
+            <a:r>
+              <a:rPr lang="hu-HU" dirty="0" err="1"/>
+              <a:t>AlkoholTartalom</a:t>
+            </a:r>
+            <a:r>
+              <a:rPr lang="hu-HU" dirty="0"/>
+              <a:t>: Alkoholszázalék (pl. 44.00).</a:t>
+            </a:r>
+          </a:p>
+          <a:p>
+            <a:pPr lvl="1"/>
+            <a:r>
+              <a:rPr lang="hu-HU" dirty="0" err="1"/>
+              <a:t>Ar</a:t>
+            </a:r>
+            <a:r>
+              <a:rPr lang="hu-HU" dirty="0"/>
+              <a:t>: Egységár (pl. 5000.00 HUF).</a:t>
+            </a:r>
+          </a:p>
+          <a:p>
+            <a:pPr lvl="1"/>
+            <a:r>
+              <a:rPr lang="hu-HU" dirty="0" err="1"/>
+              <a:t>Kategoria</a:t>
+            </a:r>
+            <a:r>
+              <a:rPr lang="hu-HU" dirty="0"/>
+              <a:t>: A pálinka típusa (pl. "Gyümölcs", "Zöldség").</a:t>
+            </a:r>
+          </a:p>
+          <a:p>
+            <a:pPr lvl="1"/>
+            <a:r>
+              <a:rPr lang="hu-HU" dirty="0" err="1"/>
+              <a:t>DB_szam</a:t>
+            </a:r>
+            <a:r>
+              <a:rPr lang="hu-HU" dirty="0"/>
+              <a:t>: Raktárkészlet (darabszám).</a:t>
+            </a:r>
+          </a:p>
+          <a:p>
+            <a:r>
+              <a:rPr lang="hu-HU" b="1" dirty="0"/>
+              <a:t>Példa adat</a:t>
+            </a:r>
+            <a:r>
+              <a:rPr lang="hu-HU" dirty="0"/>
+              <a:t>: "Málna Pálinka", 44%, 5000 HUF, 31 db készleten.</a:t>
+            </a:r>
+          </a:p>
+          <a:p>
+            <a:endParaRPr lang="hu-HU" dirty="0"/>
+          </a:p>
+        </p:txBody>
+      </p:sp>
+      <p:sp>
+        <p:nvSpPr>
+          <p:cNvPr id="4" name="Szövegdoboz 3">
+            <a:extLst>
+              <a:ext uri="{FF2B5EF4-FFF2-40B4-BE49-F238E27FC236}">
+                <a16:creationId xmlns:a16="http://schemas.microsoft.com/office/drawing/2014/main" id="{96FF7344-A325-449F-88BF-928830B92525}"/>
+              </a:ext>
+            </a:extLst>
+          </p:cNvPr>
+          <p:cNvSpPr txBox="1"/>
+          <p:nvPr/>
+        </p:nvSpPr>
+        <p:spPr>
+          <a:xfrm>
+            <a:off x="6188767" y="543945"/>
+            <a:ext cx="5247861" cy="3139321"/>
+          </a:xfrm>
+          <a:prstGeom prst="rect">
+            <a:avLst/>
+          </a:prstGeom>
+          <a:noFill/>
+        </p:spPr>
+        <p:txBody>
+          <a:bodyPr wrap="square" rtlCol="0">
+            <a:spAutoFit/>
+          </a:bodyPr>
+          <a:lstStyle/>
+          <a:p>
+            <a:r>
+              <a:rPr lang="hu-HU" b="1"/>
+              <a:t>7. ranking nézet</a:t>
+            </a:r>
+          </a:p>
+          <a:p>
+            <a:r>
+              <a:rPr lang="hu-HU" b="1"/>
+              <a:t>Célja</a:t>
+            </a:r>
+            <a:r>
+              <a:rPr lang="hu-HU"/>
+              <a:t>: A felhasználók rangsorolása pontszámok alapján (valamilyen játék vagy aktivitás eredménye).</a:t>
+            </a:r>
+          </a:p>
+          <a:p>
+            <a:r>
+              <a:rPr lang="hu-HU" b="1"/>
+              <a:t>Mezők</a:t>
+            </a:r>
+            <a:r>
+              <a:rPr lang="hu-HU"/>
+              <a:t>: </a:t>
+            </a:r>
+          </a:p>
+          <a:p>
+            <a:pPr lvl="1"/>
+            <a:r>
+              <a:rPr lang="hu-HU"/>
+              <a:t>player_id: Felhasználó azonosítója.</a:t>
+            </a:r>
+          </a:p>
+          <a:p>
+            <a:pPr lvl="1"/>
+            <a:r>
+              <a:rPr lang="hu-HU"/>
+              <a:t>username: Felhasználó neve.</a:t>
+            </a:r>
+          </a:p>
+          <a:p>
+            <a:pPr lvl="1"/>
+            <a:r>
+              <a:rPr lang="hu-HU"/>
+              <a:t>total_score: Összesített pontszám.</a:t>
+            </a:r>
+          </a:p>
+          <a:p>
+            <a:pPr lvl="1"/>
+            <a:r>
+              <a:rPr lang="hu-HU"/>
+              <a:t>rank_position: Helyezés a rangsorban.</a:t>
+            </a:r>
+          </a:p>
+          <a:p>
+            <a:r>
+              <a:rPr lang="hu-HU" b="1"/>
+              <a:t>Forrás</a:t>
+            </a:r>
+            <a:r>
+              <a:rPr lang="hu-HU"/>
+              <a:t>: A user és scores táblákból generálódik, összesíti a pontokat és rangsorol.</a:t>
+            </a:r>
+          </a:p>
+        </p:txBody>
+      </p:sp>
+    </p:spTree>
+    <p:extLst>
+      <p:ext uri="{BB962C8B-B14F-4D97-AF65-F5344CB8AC3E}">
+        <p14:creationId xmlns:p14="http://schemas.microsoft.com/office/powerpoint/2010/main" val="249244905"/>
+      </p:ext>
+    </p:extLst>
+  </p:cSld>
+  <p:clrMapOvr>
+    <a:masterClrMapping/>
+  </p:clrMapOvr>
+</p:sld>
+</file>
+
+<file path=ppt/slides/slide17.xml><?xml version="1.0" encoding="utf-8"?>
+<p:sld xmlns:a="http://schemas.openxmlformats.org/drawingml/2006/main" xmlns:r="http://schemas.openxmlformats.org/officeDocument/2006/relationships" xmlns:p="http://schemas.openxmlformats.org/presentationml/2006/main">
+  <p:cSld>
+    <p:bg>
+      <p:bgPr>
+        <a:gradFill rotWithShape="1">
+          <a:gsLst>
+            <a:gs pos="100000">
+              <a:srgbClr val="510D1F"/>
+            </a:gs>
+            <a:gs pos="100000">
+              <a:schemeClr val="bg1">
+                <a:shade val="80000"/>
+              </a:schemeClr>
+            </a:gs>
+          </a:gsLst>
+          <a:path path="circle">
+            <a:fillToRect l="50000" t="50000" r="50000" b="50000"/>
+          </a:path>
+        </a:gradFill>
+        <a:effectLst/>
+      </p:bgPr>
+    </p:bg>
+    <p:spTree>
+      <p:nvGrpSpPr>
+        <p:cNvPr id="1" name=""/>
+        <p:cNvGrpSpPr/>
+        <p:nvPr/>
+      </p:nvGrpSpPr>
+      <p:grpSpPr>
+        <a:xfrm>
+          <a:off x="0" y="0"/>
+          <a:ext cx="0" cy="0"/>
+          <a:chOff x="0" y="0"/>
+          <a:chExt cx="0" cy="0"/>
+        </a:xfrm>
+      </p:grpSpPr>
+      <p:sp>
+        <p:nvSpPr>
+          <p:cNvPr id="2" name="Cím 1">
+            <a:extLst>
+              <a:ext uri="{FF2B5EF4-FFF2-40B4-BE49-F238E27FC236}">
+                <a16:creationId xmlns:a16="http://schemas.microsoft.com/office/drawing/2014/main" id="{963EFBF9-92AE-4CA1-8B1D-0464036C6467}"/>
+              </a:ext>
+            </a:extLst>
+          </p:cNvPr>
+          <p:cNvSpPr>
+            <a:spLocks noGrp="1"/>
+          </p:cNvSpPr>
+          <p:nvPr>
+            <p:ph type="title"/>
+          </p:nvPr>
+        </p:nvSpPr>
+        <p:spPr/>
+        <p:txBody>
+          <a:bodyPr/>
+          <a:lstStyle/>
+          <a:p>
+            <a:pPr algn="l"/>
+            <a:r>
+              <a:rPr lang="hu-HU" dirty="0"/>
+              <a:t>backend</a:t>
+            </a:r>
+          </a:p>
+        </p:txBody>
+      </p:sp>
+      <p:sp>
+        <p:nvSpPr>
+          <p:cNvPr id="3" name="Tartalom helye 2">
+            <a:extLst>
+              <a:ext uri="{FF2B5EF4-FFF2-40B4-BE49-F238E27FC236}">
+                <a16:creationId xmlns:a16="http://schemas.microsoft.com/office/drawing/2014/main" id="{24506F47-5AAE-4C31-8F86-326CBBDECA86}"/>
+              </a:ext>
+            </a:extLst>
+          </p:cNvPr>
+          <p:cNvSpPr>
+            <a:spLocks noGrp="1"/>
+          </p:cNvSpPr>
+          <p:nvPr>
+            <p:ph idx="1"/>
+          </p:nvPr>
+        </p:nvSpPr>
+        <p:spPr>
+          <a:xfrm>
+            <a:off x="169431" y="1853754"/>
+            <a:ext cx="6370517" cy="4245920"/>
+          </a:xfrm>
+        </p:spPr>
+        <p:txBody>
+          <a:bodyPr>
+            <a:normAutofit fontScale="85000" lnSpcReduction="10000"/>
+          </a:bodyPr>
+          <a:lstStyle/>
+          <a:p>
+            <a:r>
+              <a:rPr lang="hu-HU" b="1" dirty="0"/>
+              <a:t>8. </a:t>
+            </a:r>
+            <a:r>
+              <a:rPr lang="hu-HU" b="1" dirty="0" err="1"/>
+              <a:t>rendeles</a:t>
+            </a:r>
+            <a:r>
+              <a:rPr lang="hu-HU" b="1" dirty="0"/>
+              <a:t> tábla</a:t>
+            </a:r>
+          </a:p>
+          <a:p>
+            <a:r>
+              <a:rPr lang="hu-HU" b="1" dirty="0"/>
+              <a:t>Célja</a:t>
+            </a:r>
+            <a:r>
+              <a:rPr lang="hu-HU" dirty="0"/>
+              <a:t>: A véglegesített rendelések tárolása.</a:t>
+            </a:r>
+          </a:p>
+          <a:p>
+            <a:r>
+              <a:rPr lang="hu-HU" b="1" dirty="0"/>
+              <a:t>Mezők</a:t>
+            </a:r>
+            <a:r>
+              <a:rPr lang="hu-HU" dirty="0"/>
+              <a:t>: </a:t>
+            </a:r>
+          </a:p>
+          <a:p>
+            <a:pPr lvl="1"/>
+            <a:r>
+              <a:rPr lang="hu-HU" dirty="0" err="1"/>
+              <a:t>RendelesID</a:t>
+            </a:r>
+            <a:r>
+              <a:rPr lang="hu-HU" dirty="0"/>
+              <a:t>: Egyedi azonosító (PK, </a:t>
+            </a:r>
+            <a:r>
+              <a:rPr lang="hu-HU" dirty="0" err="1"/>
+              <a:t>auto</a:t>
+            </a:r>
+            <a:r>
+              <a:rPr lang="hu-HU" dirty="0"/>
+              <a:t> </a:t>
+            </a:r>
+            <a:r>
+              <a:rPr lang="hu-HU" dirty="0" err="1"/>
+              <a:t>increment</a:t>
+            </a:r>
+            <a:r>
+              <a:rPr lang="hu-HU" dirty="0"/>
+              <a:t>).</a:t>
+            </a:r>
+          </a:p>
+          <a:p>
+            <a:pPr lvl="1"/>
+            <a:r>
+              <a:rPr lang="hu-HU" dirty="0" err="1"/>
+              <a:t>UserID</a:t>
+            </a:r>
+            <a:r>
+              <a:rPr lang="hu-HU" dirty="0"/>
+              <a:t>: A rendelést leadó felhasználó (FK a </a:t>
+            </a:r>
+            <a:r>
+              <a:rPr lang="hu-HU" dirty="0" err="1"/>
+              <a:t>user</a:t>
+            </a:r>
+            <a:r>
+              <a:rPr lang="hu-HU" dirty="0"/>
+              <a:t> táblára).</a:t>
+            </a:r>
+          </a:p>
+          <a:p>
+            <a:pPr lvl="1"/>
+            <a:r>
+              <a:rPr lang="hu-HU" dirty="0" err="1"/>
+              <a:t>PalinkaID</a:t>
+            </a:r>
+            <a:r>
+              <a:rPr lang="hu-HU" dirty="0"/>
+              <a:t>: A rendelt pálinka (FK a </a:t>
+            </a:r>
+            <a:r>
+              <a:rPr lang="hu-HU" dirty="0" err="1"/>
+              <a:t>palinka</a:t>
+            </a:r>
+            <a:r>
+              <a:rPr lang="hu-HU" dirty="0"/>
+              <a:t> táblára).</a:t>
+            </a:r>
+          </a:p>
+          <a:p>
+            <a:pPr lvl="1"/>
+            <a:r>
+              <a:rPr lang="hu-HU" dirty="0"/>
+              <a:t>Darab: Rendelt mennyiség.</a:t>
+            </a:r>
+          </a:p>
+          <a:p>
+            <a:pPr lvl="1"/>
+            <a:r>
+              <a:rPr lang="hu-HU" dirty="0" err="1"/>
+              <a:t>ArTotal</a:t>
+            </a:r>
+            <a:r>
+              <a:rPr lang="hu-HU" dirty="0"/>
+              <a:t>: Teljes ár (darab * egységár).</a:t>
+            </a:r>
+          </a:p>
+          <a:p>
+            <a:pPr lvl="1"/>
+            <a:r>
+              <a:rPr lang="hu-HU" dirty="0" err="1"/>
+              <a:t>RendelesDatum</a:t>
+            </a:r>
+            <a:r>
+              <a:rPr lang="hu-HU" dirty="0"/>
+              <a:t>: A rendelés dátuma.</a:t>
+            </a:r>
+          </a:p>
+          <a:p>
+            <a:pPr lvl="1"/>
+            <a:r>
+              <a:rPr lang="hu-HU" dirty="0" err="1"/>
+              <a:t>RendelesCsoportID</a:t>
+            </a:r>
+            <a:r>
+              <a:rPr lang="hu-HU" dirty="0"/>
+              <a:t>: Egyedi rendelési csoport azonosító (pl. "ORDER_67b7086e68f9a").</a:t>
+            </a:r>
+          </a:p>
+          <a:p>
+            <a:r>
+              <a:rPr lang="hu-HU" b="1" dirty="0"/>
+              <a:t>Kapcsolat</a:t>
+            </a:r>
+            <a:r>
+              <a:rPr lang="hu-HU" dirty="0"/>
+              <a:t>: </a:t>
+            </a:r>
+            <a:r>
+              <a:rPr lang="hu-HU" dirty="0" err="1"/>
+              <a:t>UserID</a:t>
+            </a:r>
+            <a:r>
+              <a:rPr lang="hu-HU" dirty="0"/>
+              <a:t> és </a:t>
+            </a:r>
+            <a:r>
+              <a:rPr lang="hu-HU" dirty="0" err="1"/>
+              <a:t>PalinkaID</a:t>
+            </a:r>
+            <a:r>
+              <a:rPr lang="hu-HU" dirty="0"/>
+              <a:t> idegen kulcsok.</a:t>
+            </a:r>
+          </a:p>
+          <a:p>
+            <a:endParaRPr lang="hu-HU" dirty="0"/>
+          </a:p>
+        </p:txBody>
+      </p:sp>
+      <p:sp>
+        <p:nvSpPr>
+          <p:cNvPr id="4" name="Szövegdoboz 3">
+            <a:extLst>
+              <a:ext uri="{FF2B5EF4-FFF2-40B4-BE49-F238E27FC236}">
+                <a16:creationId xmlns:a16="http://schemas.microsoft.com/office/drawing/2014/main" id="{8EF8D275-318A-4988-9377-E01644F6EF35}"/>
+              </a:ext>
+            </a:extLst>
+          </p:cNvPr>
+          <p:cNvSpPr txBox="1"/>
+          <p:nvPr/>
+        </p:nvSpPr>
+        <p:spPr>
+          <a:xfrm>
+            <a:off x="7941366" y="804519"/>
+            <a:ext cx="3578087" cy="5078313"/>
+          </a:xfrm>
+          <a:prstGeom prst="rect">
+            <a:avLst/>
+          </a:prstGeom>
+          <a:noFill/>
+        </p:spPr>
+        <p:txBody>
+          <a:bodyPr wrap="square" rtlCol="0">
+            <a:spAutoFit/>
+          </a:bodyPr>
+          <a:lstStyle/>
+          <a:p>
+            <a:r>
+              <a:rPr lang="hu-HU" b="1" dirty="0"/>
+              <a:t>9. </a:t>
+            </a:r>
+            <a:r>
+              <a:rPr lang="hu-HU" b="1" dirty="0" err="1"/>
+              <a:t>scores</a:t>
+            </a:r>
+            <a:r>
+              <a:rPr lang="hu-HU" b="1" dirty="0"/>
+              <a:t> tábla</a:t>
+            </a:r>
+          </a:p>
+          <a:p>
+            <a:r>
+              <a:rPr lang="hu-HU" b="1" dirty="0"/>
+              <a:t>Célja</a:t>
+            </a:r>
+            <a:r>
+              <a:rPr lang="hu-HU" dirty="0"/>
+              <a:t>: A felhasználók pontjainak tárolása (valamilyen játék vagy aktivitás eredménye).</a:t>
+            </a:r>
+          </a:p>
+          <a:p>
+            <a:r>
+              <a:rPr lang="hu-HU" b="1" dirty="0"/>
+              <a:t>Mezők</a:t>
+            </a:r>
+            <a:r>
+              <a:rPr lang="hu-HU" dirty="0"/>
+              <a:t>: </a:t>
+            </a:r>
+          </a:p>
+          <a:p>
+            <a:pPr lvl="1"/>
+            <a:r>
+              <a:rPr lang="hu-HU" dirty="0" err="1"/>
+              <a:t>score_id</a:t>
+            </a:r>
+            <a:r>
+              <a:rPr lang="hu-HU" dirty="0"/>
+              <a:t>: Egyedi azonosító (PK, </a:t>
+            </a:r>
+            <a:r>
+              <a:rPr lang="hu-HU" dirty="0" err="1"/>
+              <a:t>auto</a:t>
+            </a:r>
+            <a:r>
+              <a:rPr lang="hu-HU" dirty="0"/>
+              <a:t> </a:t>
+            </a:r>
+            <a:r>
+              <a:rPr lang="hu-HU" dirty="0" err="1"/>
+              <a:t>increment</a:t>
+            </a:r>
+            <a:r>
+              <a:rPr lang="hu-HU" dirty="0"/>
+              <a:t>).</a:t>
+            </a:r>
+          </a:p>
+          <a:p>
+            <a:pPr lvl="1"/>
+            <a:r>
+              <a:rPr lang="hu-HU" dirty="0" err="1"/>
+              <a:t>player_id</a:t>
+            </a:r>
+            <a:r>
+              <a:rPr lang="hu-HU" dirty="0"/>
+              <a:t>: A felhasználó azonosítója (FK a </a:t>
+            </a:r>
+            <a:r>
+              <a:rPr lang="hu-HU" dirty="0" err="1"/>
+              <a:t>user</a:t>
+            </a:r>
+            <a:r>
+              <a:rPr lang="hu-HU" dirty="0"/>
+              <a:t> táblára).</a:t>
+            </a:r>
+          </a:p>
+          <a:p>
+            <a:pPr lvl="1"/>
+            <a:r>
+              <a:rPr lang="hu-HU" dirty="0" err="1"/>
+              <a:t>points</a:t>
+            </a:r>
+            <a:r>
+              <a:rPr lang="hu-HU" dirty="0"/>
+              <a:t>: Elért pontszám.</a:t>
+            </a:r>
+          </a:p>
+          <a:p>
+            <a:pPr lvl="1"/>
+            <a:r>
+              <a:rPr lang="hu-HU" dirty="0" err="1"/>
+              <a:t>date</a:t>
+            </a:r>
+            <a:r>
+              <a:rPr lang="hu-HU" dirty="0"/>
+              <a:t>: A pontszám rögzítésének időpontja (</a:t>
+            </a:r>
+            <a:r>
+              <a:rPr lang="hu-HU" dirty="0" err="1"/>
+              <a:t>timestamp</a:t>
+            </a:r>
+            <a:r>
+              <a:rPr lang="hu-HU" dirty="0"/>
+              <a:t>).</a:t>
+            </a:r>
+          </a:p>
+          <a:p>
+            <a:r>
+              <a:rPr lang="hu-HU" b="1" dirty="0"/>
+              <a:t>Kapcsolat</a:t>
+            </a:r>
+            <a:r>
+              <a:rPr lang="hu-HU" dirty="0"/>
+              <a:t>: A </a:t>
+            </a:r>
+            <a:r>
+              <a:rPr lang="hu-HU" dirty="0" err="1"/>
+              <a:t>ranking</a:t>
+            </a:r>
+            <a:r>
+              <a:rPr lang="hu-HU" dirty="0"/>
+              <a:t> nézet innen szedi az adatokat.</a:t>
+            </a:r>
+          </a:p>
+          <a:p>
+            <a:endParaRPr lang="hu-HU" dirty="0"/>
+          </a:p>
+        </p:txBody>
+      </p:sp>
+    </p:spTree>
+    <p:extLst>
+      <p:ext uri="{BB962C8B-B14F-4D97-AF65-F5344CB8AC3E}">
+        <p14:creationId xmlns:p14="http://schemas.microsoft.com/office/powerpoint/2010/main" val="3140781622"/>
+      </p:ext>
+    </p:extLst>
+  </p:cSld>
+  <p:clrMapOvr>
+    <a:masterClrMapping/>
+  </p:clrMapOvr>
+</p:sld>
+</file>
+
+<file path=ppt/slides/slide18.xml><?xml version="1.0" encoding="utf-8"?>
+<p:sld xmlns:a="http://schemas.openxmlformats.org/drawingml/2006/main" xmlns:r="http://schemas.openxmlformats.org/officeDocument/2006/relationships" xmlns:p="http://schemas.openxmlformats.org/presentationml/2006/main">
+  <p:cSld>
+    <p:bg>
+      <p:bgPr>
+        <a:gradFill rotWithShape="1">
+          <a:gsLst>
+            <a:gs pos="100000">
+              <a:srgbClr val="510D1F"/>
+            </a:gs>
+            <a:gs pos="100000">
+              <a:schemeClr val="bg1">
+                <a:shade val="80000"/>
+              </a:schemeClr>
+            </a:gs>
+          </a:gsLst>
+          <a:path path="circle">
+            <a:fillToRect l="50000" t="50000" r="50000" b="50000"/>
+          </a:path>
+        </a:gradFill>
+        <a:effectLst/>
+      </p:bgPr>
+    </p:bg>
+    <p:spTree>
+      <p:nvGrpSpPr>
+        <p:cNvPr id="1" name=""/>
+        <p:cNvGrpSpPr/>
+        <p:nvPr/>
+      </p:nvGrpSpPr>
+      <p:grpSpPr>
+        <a:xfrm>
+          <a:off x="0" y="0"/>
+          <a:ext cx="0" cy="0"/>
+          <a:chOff x="0" y="0"/>
+          <a:chExt cx="0" cy="0"/>
+        </a:xfrm>
+      </p:grpSpPr>
+      <p:sp>
+        <p:nvSpPr>
+          <p:cNvPr id="2" name="Cím 1">
+            <a:extLst>
+              <a:ext uri="{FF2B5EF4-FFF2-40B4-BE49-F238E27FC236}">
+                <a16:creationId xmlns:a16="http://schemas.microsoft.com/office/drawing/2014/main" id="{F86683F1-7409-471E-BE8B-E2E5CB8BEEE7}"/>
+              </a:ext>
+            </a:extLst>
+          </p:cNvPr>
+          <p:cNvSpPr>
+            <a:spLocks noGrp="1"/>
+          </p:cNvSpPr>
+          <p:nvPr>
+            <p:ph type="title"/>
+          </p:nvPr>
+        </p:nvSpPr>
+        <p:spPr/>
+        <p:txBody>
+          <a:bodyPr/>
+          <a:lstStyle/>
+          <a:p>
+            <a:pPr algn="l"/>
+            <a:r>
+              <a:rPr lang="hu-HU" dirty="0"/>
+              <a:t>backend</a:t>
+            </a:r>
+          </a:p>
+        </p:txBody>
+      </p:sp>
+      <p:sp>
+        <p:nvSpPr>
+          <p:cNvPr id="3" name="Tartalom helye 2">
+            <a:extLst>
+              <a:ext uri="{FF2B5EF4-FFF2-40B4-BE49-F238E27FC236}">
+                <a16:creationId xmlns:a16="http://schemas.microsoft.com/office/drawing/2014/main" id="{1F78A4B9-B529-4F31-AAA2-BF9392370D3C}"/>
+              </a:ext>
+            </a:extLst>
+          </p:cNvPr>
+          <p:cNvSpPr>
+            <a:spLocks noGrp="1"/>
+          </p:cNvSpPr>
+          <p:nvPr>
+            <p:ph idx="1"/>
+          </p:nvPr>
+        </p:nvSpPr>
+        <p:spPr>
+          <a:xfrm>
+            <a:off x="1183222" y="2085306"/>
+            <a:ext cx="9291215" cy="3450613"/>
+          </a:xfrm>
+        </p:spPr>
+        <p:txBody>
+          <a:bodyPr>
+            <a:normAutofit fontScale="77500" lnSpcReduction="20000"/>
+          </a:bodyPr>
+          <a:lstStyle/>
+          <a:p>
+            <a:r>
+              <a:rPr lang="hu-HU" b="1" dirty="0"/>
+              <a:t>10. </a:t>
+            </a:r>
+            <a:r>
+              <a:rPr lang="hu-HU" b="1" dirty="0" err="1"/>
+              <a:t>user</a:t>
+            </a:r>
+            <a:r>
+              <a:rPr lang="hu-HU" b="1" dirty="0"/>
+              <a:t> tábla</a:t>
+            </a:r>
+          </a:p>
+          <a:p>
+            <a:r>
+              <a:rPr lang="hu-HU" b="1" dirty="0"/>
+              <a:t>Célja</a:t>
+            </a:r>
+            <a:r>
+              <a:rPr lang="hu-HU" dirty="0"/>
+              <a:t>: A rendszer felhasználóinak adatait tárolja.</a:t>
+            </a:r>
+          </a:p>
+          <a:p>
+            <a:r>
+              <a:rPr lang="hu-HU" b="1" dirty="0"/>
+              <a:t>Mezők</a:t>
+            </a:r>
+            <a:r>
+              <a:rPr lang="hu-HU" dirty="0"/>
+              <a:t>: </a:t>
+            </a:r>
+          </a:p>
+          <a:p>
+            <a:pPr lvl="1"/>
+            <a:r>
+              <a:rPr lang="hu-HU" dirty="0" err="1"/>
+              <a:t>UserID</a:t>
+            </a:r>
+            <a:r>
+              <a:rPr lang="hu-HU" dirty="0"/>
+              <a:t>: Egyedi azonosító (PK, </a:t>
+            </a:r>
+            <a:r>
+              <a:rPr lang="hu-HU" dirty="0" err="1"/>
+              <a:t>auto</a:t>
+            </a:r>
+            <a:r>
+              <a:rPr lang="hu-HU" dirty="0"/>
+              <a:t> </a:t>
+            </a:r>
+            <a:r>
+              <a:rPr lang="hu-HU" dirty="0" err="1"/>
+              <a:t>increment</a:t>
+            </a:r>
+            <a:r>
+              <a:rPr lang="hu-HU" dirty="0"/>
+              <a:t>).</a:t>
+            </a:r>
+          </a:p>
+          <a:p>
+            <a:pPr lvl="1"/>
+            <a:r>
+              <a:rPr lang="hu-HU" dirty="0" err="1"/>
+              <a:t>Nev</a:t>
+            </a:r>
+            <a:r>
+              <a:rPr lang="hu-HU" dirty="0"/>
+              <a:t>: Felhasználó neve (pl. "</a:t>
+            </a:r>
+            <a:r>
+              <a:rPr lang="hu-HU" dirty="0" err="1"/>
+              <a:t>Dozsa</a:t>
+            </a:r>
+            <a:r>
+              <a:rPr lang="hu-HU" dirty="0"/>
+              <a:t>").</a:t>
+            </a:r>
+          </a:p>
+          <a:p>
+            <a:pPr lvl="1"/>
+            <a:r>
+              <a:rPr lang="hu-HU" dirty="0"/>
+              <a:t>Email: Egyedi e-mail cím.</a:t>
+            </a:r>
+          </a:p>
+          <a:p>
+            <a:pPr lvl="1"/>
+            <a:r>
+              <a:rPr lang="hu-HU" dirty="0" err="1"/>
+              <a:t>Jelszo</a:t>
+            </a:r>
+            <a:r>
+              <a:rPr lang="hu-HU" dirty="0"/>
+              <a:t>: Titkosított jelszó (</a:t>
+            </a:r>
+            <a:r>
+              <a:rPr lang="hu-HU" dirty="0" err="1"/>
+              <a:t>bcrypt</a:t>
+            </a:r>
+            <a:r>
+              <a:rPr lang="hu-HU" dirty="0"/>
+              <a:t> </a:t>
+            </a:r>
+            <a:r>
+              <a:rPr lang="hu-HU" dirty="0" err="1"/>
+              <a:t>hash</a:t>
+            </a:r>
+            <a:r>
+              <a:rPr lang="hu-HU" dirty="0"/>
+              <a:t>).</a:t>
+            </a:r>
+          </a:p>
+          <a:p>
+            <a:pPr lvl="1"/>
+            <a:r>
+              <a:rPr lang="hu-HU" dirty="0" err="1"/>
+              <a:t>RegisztracioDatum</a:t>
+            </a:r>
+            <a:r>
+              <a:rPr lang="hu-HU" dirty="0"/>
+              <a:t>: Regisztráció dátuma.</a:t>
+            </a:r>
+          </a:p>
+          <a:p>
+            <a:pPr lvl="1"/>
+            <a:r>
+              <a:rPr lang="hu-HU" dirty="0" err="1"/>
+              <a:t>Eletkor</a:t>
+            </a:r>
+            <a:r>
+              <a:rPr lang="hu-HU" dirty="0"/>
+              <a:t>: Felhasználó életkora (opcionális).</a:t>
+            </a:r>
+          </a:p>
+          <a:p>
+            <a:pPr lvl="1"/>
+            <a:r>
+              <a:rPr lang="hu-HU" dirty="0"/>
+              <a:t>Szerepkor: Szerepkör ("</a:t>
+            </a:r>
+            <a:r>
+              <a:rPr lang="hu-HU" dirty="0" err="1"/>
+              <a:t>admin</a:t>
+            </a:r>
+            <a:r>
+              <a:rPr lang="hu-HU" dirty="0"/>
+              <a:t>" vagy "felhasználó").</a:t>
+            </a:r>
+          </a:p>
+          <a:p>
+            <a:r>
+              <a:rPr lang="hu-HU" b="1" dirty="0"/>
+              <a:t>Példa adat</a:t>
+            </a:r>
+            <a:r>
+              <a:rPr lang="hu-HU" dirty="0"/>
+              <a:t>: "</a:t>
+            </a:r>
+            <a:r>
+              <a:rPr lang="hu-HU" dirty="0" err="1"/>
+              <a:t>Dozsa</a:t>
+            </a:r>
+            <a:r>
+              <a:rPr lang="hu-HU" dirty="0"/>
+              <a:t>", "</a:t>
+            </a:r>
+            <a:r>
+              <a:rPr lang="hu-HU" dirty="0">
+                <a:hlinkClick r:id="rId2"/>
+              </a:rPr>
+              <a:t>levirozsa11@gmail.com</a:t>
+            </a:r>
+            <a:r>
+              <a:rPr lang="hu-HU" dirty="0"/>
+              <a:t>", </a:t>
+            </a:r>
+            <a:r>
+              <a:rPr lang="hu-HU" dirty="0" err="1"/>
+              <a:t>admin</a:t>
+            </a:r>
+            <a:r>
+              <a:rPr lang="hu-HU" dirty="0"/>
+              <a:t> szerepkör.</a:t>
+            </a:r>
+          </a:p>
+          <a:p>
+            <a:endParaRPr lang="hu-HU" dirty="0"/>
+          </a:p>
+        </p:txBody>
+      </p:sp>
+    </p:spTree>
+    <p:extLst>
+      <p:ext uri="{BB962C8B-B14F-4D97-AF65-F5344CB8AC3E}">
+        <p14:creationId xmlns:p14="http://schemas.microsoft.com/office/powerpoint/2010/main" val="1173712209"/>
+      </p:ext>
+    </p:extLst>
+  </p:cSld>
+  <p:clrMapOvr>
+    <a:masterClrMapping/>
+  </p:clrMapOvr>
+</p:sld>
+</file>
+
 <file path=ppt/slides/slide2.xml><?xml version="1.0" encoding="utf-8"?>
 <p:sld xmlns:a="http://schemas.openxmlformats.org/drawingml/2006/main" xmlns:r="http://schemas.openxmlformats.org/officeDocument/2006/relationships" xmlns:p="http://schemas.openxmlformats.org/presentationml/2006/main">
   <p:cSld>
@@ -4001,6 +6938,152 @@
 </file>
 
 <file path=ppt/slides/slide3.xml><?xml version="1.0" encoding="utf-8"?>
+<p:sld xmlns:a="http://schemas.openxmlformats.org/drawingml/2006/main" xmlns:r="http://schemas.openxmlformats.org/officeDocument/2006/relationships" xmlns:p="http://schemas.openxmlformats.org/presentationml/2006/main">
+  <p:cSld>
+    <p:bg>
+      <p:bgPr>
+        <a:gradFill rotWithShape="1">
+          <a:gsLst>
+            <a:gs pos="100000">
+              <a:srgbClr val="510D1F"/>
+            </a:gs>
+            <a:gs pos="100000">
+              <a:schemeClr val="bg1">
+                <a:shade val="80000"/>
+              </a:schemeClr>
+            </a:gs>
+          </a:gsLst>
+          <a:path path="circle">
+            <a:fillToRect l="50000" t="50000" r="50000" b="50000"/>
+          </a:path>
+        </a:gradFill>
+        <a:effectLst/>
+      </p:bgPr>
+    </p:bg>
+    <p:spTree>
+      <p:nvGrpSpPr>
+        <p:cNvPr id="1" name=""/>
+        <p:cNvGrpSpPr/>
+        <p:nvPr/>
+      </p:nvGrpSpPr>
+      <p:grpSpPr>
+        <a:xfrm>
+          <a:off x="0" y="0"/>
+          <a:ext cx="0" cy="0"/>
+          <a:chOff x="0" y="0"/>
+          <a:chExt cx="0" cy="0"/>
+        </a:xfrm>
+      </p:grpSpPr>
+      <p:sp>
+        <p:nvSpPr>
+          <p:cNvPr id="2" name="Cím 1">
+            <a:extLst>
+              <a:ext uri="{FF2B5EF4-FFF2-40B4-BE49-F238E27FC236}">
+                <a16:creationId xmlns:a16="http://schemas.microsoft.com/office/drawing/2014/main" id="{818B00D8-D5D5-49E8-91F3-13753916ED3C}"/>
+              </a:ext>
+            </a:extLst>
+          </p:cNvPr>
+          <p:cNvSpPr>
+            <a:spLocks noGrp="1"/>
+          </p:cNvSpPr>
+          <p:nvPr>
+            <p:ph type="title"/>
+          </p:nvPr>
+        </p:nvSpPr>
+        <p:spPr/>
+        <p:txBody>
+          <a:bodyPr/>
+          <a:lstStyle/>
+          <a:p>
+            <a:pPr algn="l"/>
+            <a:r>
+              <a:rPr lang="hu-HU" dirty="0"/>
+              <a:t>Ki mit csinál?</a:t>
+            </a:r>
+          </a:p>
+        </p:txBody>
+      </p:sp>
+      <p:sp>
+        <p:nvSpPr>
+          <p:cNvPr id="3" name="Tartalom helye 2">
+            <a:extLst>
+              <a:ext uri="{FF2B5EF4-FFF2-40B4-BE49-F238E27FC236}">
+                <a16:creationId xmlns:a16="http://schemas.microsoft.com/office/drawing/2014/main" id="{5752F76E-B81D-418E-910D-76A9071765D2}"/>
+              </a:ext>
+            </a:extLst>
+          </p:cNvPr>
+          <p:cNvSpPr>
+            <a:spLocks noGrp="1"/>
+          </p:cNvSpPr>
+          <p:nvPr>
+            <p:ph idx="1"/>
+          </p:nvPr>
+        </p:nvSpPr>
+        <p:spPr/>
+        <p:txBody>
+          <a:bodyPr/>
+          <a:lstStyle/>
+          <a:p>
+            <a:r>
+              <a:rPr lang="hu-HU" dirty="0"/>
+              <a:t>Rózsa Levente	</a:t>
+            </a:r>
+          </a:p>
+          <a:p>
+            <a:pPr lvl="1"/>
+            <a:r>
+              <a:rPr lang="hu-HU" dirty="0"/>
+              <a:t>Frontend </a:t>
+            </a:r>
+          </a:p>
+          <a:p>
+            <a:pPr marL="0" indent="0">
+              <a:buNone/>
+            </a:pPr>
+            <a:r>
+              <a:rPr lang="hu-HU" dirty="0"/>
+              <a:t>Kovács Bence</a:t>
+            </a:r>
+          </a:p>
+          <a:p>
+            <a:pPr lvl="1"/>
+            <a:r>
+              <a:rPr lang="hu-HU" dirty="0"/>
+              <a:t>Dokumentáció ppt</a:t>
+            </a:r>
+          </a:p>
+          <a:p>
+            <a:pPr marL="0" indent="0">
+              <a:buNone/>
+            </a:pPr>
+            <a:r>
+              <a:rPr lang="hu-HU" dirty="0"/>
+              <a:t>Németh Bence </a:t>
+            </a:r>
+          </a:p>
+          <a:p>
+            <a:pPr lvl="1"/>
+            <a:r>
+              <a:rPr lang="hu-HU" dirty="0"/>
+              <a:t>Backend</a:t>
+            </a:r>
+          </a:p>
+        </p:txBody>
+      </p:sp>
+    </p:spTree>
+    <p:extLst>
+      <p:ext uri="{BB962C8B-B14F-4D97-AF65-F5344CB8AC3E}">
+        <p14:creationId xmlns:p14="http://schemas.microsoft.com/office/powerpoint/2010/main" val="1072677446"/>
+      </p:ext>
+    </p:extLst>
+  </p:cSld>
+  <p:clrMapOvr>
+    <a:masterClrMapping/>
+  </p:clrMapOvr>
+</p:sld>
+</file>
+
+<file path=ppt/slides/slide4.xml><?xml version="1.0" encoding="utf-8"?>
 <p:sld xmlns:a="http://schemas.openxmlformats.org/drawingml/2006/main" xmlns:r="http://schemas.openxmlformats.org/officeDocument/2006/relationships" xmlns:p="http://schemas.openxmlformats.org/presentationml/2006/main">
   <p:cSld>
     <p:bg>
@@ -4519,6 +7602,1133 @@
     <p:extLst>
       <p:ext uri="{BB962C8B-B14F-4D97-AF65-F5344CB8AC3E}">
         <p14:creationId xmlns:p14="http://schemas.microsoft.com/office/powerpoint/2010/main" val="2757243914"/>
+      </p:ext>
+    </p:extLst>
+  </p:cSld>
+  <p:clrMapOvr>
+    <a:masterClrMapping/>
+  </p:clrMapOvr>
+</p:sld>
+</file>
+
+<file path=ppt/slides/slide5.xml><?xml version="1.0" encoding="utf-8"?>
+<p:sld xmlns:a="http://schemas.openxmlformats.org/drawingml/2006/main" xmlns:r="http://schemas.openxmlformats.org/officeDocument/2006/relationships" xmlns:p="http://schemas.openxmlformats.org/presentationml/2006/main">
+  <p:cSld>
+    <p:bg>
+      <p:bgPr>
+        <a:gradFill rotWithShape="1">
+          <a:gsLst>
+            <a:gs pos="100000">
+              <a:srgbClr val="510D1F"/>
+            </a:gs>
+            <a:gs pos="100000">
+              <a:schemeClr val="bg1">
+                <a:shade val="80000"/>
+              </a:schemeClr>
+            </a:gs>
+          </a:gsLst>
+          <a:path path="circle">
+            <a:fillToRect l="50000" t="50000" r="50000" b="50000"/>
+          </a:path>
+        </a:gradFill>
+        <a:effectLst/>
+      </p:bgPr>
+    </p:bg>
+    <p:spTree>
+      <p:nvGrpSpPr>
+        <p:cNvPr id="1" name=""/>
+        <p:cNvGrpSpPr/>
+        <p:nvPr/>
+      </p:nvGrpSpPr>
+      <p:grpSpPr>
+        <a:xfrm>
+          <a:off x="0" y="0"/>
+          <a:ext cx="0" cy="0"/>
+          <a:chOff x="0" y="0"/>
+          <a:chExt cx="0" cy="0"/>
+        </a:xfrm>
+      </p:grpSpPr>
+      <p:sp>
+        <p:nvSpPr>
+          <p:cNvPr id="2" name="Cím 1">
+            <a:extLst>
+              <a:ext uri="{FF2B5EF4-FFF2-40B4-BE49-F238E27FC236}">
+                <a16:creationId xmlns:a16="http://schemas.microsoft.com/office/drawing/2014/main" id="{9243A003-CEE9-49F5-AD87-8CFF58D4BB05}"/>
+              </a:ext>
+            </a:extLst>
+          </p:cNvPr>
+          <p:cNvSpPr>
+            <a:spLocks noGrp="1"/>
+          </p:cNvSpPr>
+          <p:nvPr>
+            <p:ph type="title"/>
+          </p:nvPr>
+        </p:nvSpPr>
+        <p:spPr/>
+        <p:txBody>
+          <a:bodyPr/>
+          <a:lstStyle/>
+          <a:p>
+            <a:pPr algn="l"/>
+            <a:r>
+              <a:rPr lang="hu-HU" dirty="0"/>
+              <a:t>Weboldal</a:t>
+            </a:r>
+          </a:p>
+        </p:txBody>
+      </p:sp>
+      <p:sp>
+        <p:nvSpPr>
+          <p:cNvPr id="3" name="Tartalom helye 2">
+            <a:extLst>
+              <a:ext uri="{FF2B5EF4-FFF2-40B4-BE49-F238E27FC236}">
+                <a16:creationId xmlns:a16="http://schemas.microsoft.com/office/drawing/2014/main" id="{E38A26CF-5380-4F5B-83F5-9BCA5CB279D5}"/>
+              </a:ext>
+            </a:extLst>
+          </p:cNvPr>
+          <p:cNvSpPr>
+            <a:spLocks noGrp="1"/>
+          </p:cNvSpPr>
+          <p:nvPr>
+            <p:ph idx="1"/>
+          </p:nvPr>
+        </p:nvSpPr>
+        <p:spPr>
+          <a:xfrm>
+            <a:off x="5794513" y="397565"/>
+            <a:ext cx="6071403" cy="6122505"/>
+          </a:xfrm>
+        </p:spPr>
+        <p:txBody>
+          <a:bodyPr>
+            <a:normAutofit fontScale="92500" lnSpcReduction="10000"/>
+          </a:bodyPr>
+          <a:lstStyle/>
+          <a:p>
+            <a:r>
+              <a:rPr lang="hu-HU" b="1" dirty="0" err="1"/>
+              <a:t>Admin</a:t>
+            </a:r>
+            <a:r>
+              <a:rPr lang="hu-HU" b="1" dirty="0"/>
+              <a:t> Kezelőfelület (</a:t>
+            </a:r>
+            <a:r>
+              <a:rPr lang="hu-HU" b="1" dirty="0" err="1"/>
+              <a:t>admin.php</a:t>
+            </a:r>
+            <a:r>
+              <a:rPr lang="hu-HU" b="1" dirty="0"/>
+              <a:t>)</a:t>
+            </a:r>
+          </a:p>
+          <a:p>
+            <a:r>
+              <a:rPr lang="hu-HU" b="1" dirty="0"/>
+              <a:t>Látható</a:t>
+            </a:r>
+            <a:r>
+              <a:rPr lang="hu-HU" dirty="0"/>
+              <a:t>: Adminisztrátori felület táblázatokkal és űrlapokkal: </a:t>
+            </a:r>
+          </a:p>
+          <a:p>
+            <a:pPr lvl="1"/>
+            <a:r>
+              <a:rPr lang="hu-HU" dirty="0"/>
+              <a:t>Lista a meglévő </a:t>
+            </a:r>
+            <a:r>
+              <a:rPr lang="hu-HU" dirty="0" err="1"/>
+              <a:t>adminokról</a:t>
+            </a:r>
+            <a:r>
+              <a:rPr lang="hu-HU" dirty="0"/>
+              <a:t> és felhasználókról, </a:t>
+            </a:r>
+            <a:r>
+              <a:rPr lang="hu-HU" dirty="0" err="1"/>
+              <a:t>admin</a:t>
+            </a:r>
+            <a:r>
+              <a:rPr lang="hu-HU" dirty="0"/>
+              <a:t> jogok adása/elvételének lehetősége.</a:t>
+            </a:r>
+          </a:p>
+          <a:p>
+            <a:pPr lvl="1"/>
+            <a:r>
+              <a:rPr lang="hu-HU" dirty="0"/>
+              <a:t>Pálinkák listája (név, alkohol%, ár, készlet, kép) módosítási és törlési opciókkal.</a:t>
+            </a:r>
+          </a:p>
+          <a:p>
+            <a:pPr lvl="1"/>
+            <a:r>
+              <a:rPr lang="hu-HU" dirty="0"/>
+              <a:t>Új pálinka hozzáadása űrlap (név, alkohol%, ár, kép URL, készlet).</a:t>
+            </a:r>
+          </a:p>
+          <a:p>
+            <a:r>
+              <a:rPr lang="hu-HU" b="1" dirty="0"/>
+              <a:t>Mit csinál</a:t>
+            </a:r>
+            <a:r>
+              <a:rPr lang="hu-HU" dirty="0"/>
+              <a:t>: </a:t>
+            </a:r>
+          </a:p>
+          <a:p>
+            <a:pPr lvl="1"/>
+            <a:r>
+              <a:rPr lang="hu-HU" dirty="0"/>
+              <a:t>Csak </a:t>
+            </a:r>
+            <a:r>
+              <a:rPr lang="hu-HU" dirty="0" err="1"/>
+              <a:t>adminok</a:t>
+            </a:r>
+            <a:r>
+              <a:rPr lang="hu-HU" dirty="0"/>
+              <a:t> számára elérhető (PHP session ellenőrzés).</a:t>
+            </a:r>
+          </a:p>
+          <a:p>
+            <a:pPr lvl="1"/>
+            <a:r>
+              <a:rPr lang="hu-HU" dirty="0"/>
+              <a:t>Készlet módosítása (növelés/csökkentés), új pálinka hozzáadása, meglévő törlése.</a:t>
+            </a:r>
+          </a:p>
+          <a:p>
+            <a:pPr lvl="1"/>
+            <a:r>
+              <a:rPr lang="hu-HU" dirty="0"/>
+              <a:t>Felhasználók </a:t>
+            </a:r>
+            <a:r>
+              <a:rPr lang="hu-HU" dirty="0" err="1"/>
+              <a:t>adminná</a:t>
+            </a:r>
+            <a:r>
+              <a:rPr lang="hu-HU" dirty="0"/>
+              <a:t> tétele vagy </a:t>
+            </a:r>
+            <a:r>
+              <a:rPr lang="hu-HU" dirty="0" err="1"/>
+              <a:t>admin</a:t>
+            </a:r>
+            <a:r>
+              <a:rPr lang="hu-HU" dirty="0"/>
+              <a:t> jogok elvétele.</a:t>
+            </a:r>
+          </a:p>
+          <a:p>
+            <a:pPr lvl="1"/>
+            <a:r>
+              <a:rPr lang="hu-HU" dirty="0"/>
+              <a:t>Adatbázissal kommunikál (</a:t>
+            </a:r>
+            <a:r>
+              <a:rPr lang="hu-HU" dirty="0" err="1"/>
+              <a:t>palinka_mesterei</a:t>
+            </a:r>
+            <a:r>
+              <a:rPr lang="hu-HU" dirty="0"/>
+              <a:t>).</a:t>
+            </a:r>
+          </a:p>
+          <a:p>
+            <a:endParaRPr lang="hu-HU" dirty="0"/>
+          </a:p>
+        </p:txBody>
+      </p:sp>
+      <p:pic>
+        <p:nvPicPr>
+          <p:cNvPr id="5" name="Kép 4">
+            <a:extLst>
+              <a:ext uri="{FF2B5EF4-FFF2-40B4-BE49-F238E27FC236}">
+                <a16:creationId xmlns:a16="http://schemas.microsoft.com/office/drawing/2014/main" id="{78B49814-1680-43FA-9289-6BABD717D294}"/>
+              </a:ext>
+            </a:extLst>
+          </p:cNvPr>
+          <p:cNvPicPr>
+            <a:picLocks noChangeAspect="1"/>
+          </p:cNvPicPr>
+          <p:nvPr/>
+        </p:nvPicPr>
+        <p:blipFill>
+          <a:blip r:embed="rId2"/>
+          <a:stretch>
+            <a:fillRect/>
+          </a:stretch>
+        </p:blipFill>
+        <p:spPr>
+          <a:xfrm>
+            <a:off x="288235" y="2050358"/>
+            <a:ext cx="5506278" cy="2953889"/>
+          </a:xfrm>
+          <a:prstGeom prst="rect">
+            <a:avLst/>
+          </a:prstGeom>
+        </p:spPr>
+      </p:pic>
+    </p:spTree>
+    <p:extLst>
+      <p:ext uri="{BB962C8B-B14F-4D97-AF65-F5344CB8AC3E}">
+        <p14:creationId xmlns:p14="http://schemas.microsoft.com/office/powerpoint/2010/main" val="2922378844"/>
+      </p:ext>
+    </p:extLst>
+  </p:cSld>
+  <p:clrMapOvr>
+    <a:masterClrMapping/>
+  </p:clrMapOvr>
+</p:sld>
+</file>
+
+<file path=ppt/slides/slide6.xml><?xml version="1.0" encoding="utf-8"?>
+<p:sld xmlns:a="http://schemas.openxmlformats.org/drawingml/2006/main" xmlns:r="http://schemas.openxmlformats.org/officeDocument/2006/relationships" xmlns:p="http://schemas.openxmlformats.org/presentationml/2006/main">
+  <p:cSld>
+    <p:bg>
+      <p:bgPr>
+        <a:gradFill rotWithShape="1">
+          <a:gsLst>
+            <a:gs pos="100000">
+              <a:srgbClr val="510D1F"/>
+            </a:gs>
+            <a:gs pos="100000">
+              <a:schemeClr val="bg1">
+                <a:shade val="80000"/>
+              </a:schemeClr>
+            </a:gs>
+          </a:gsLst>
+          <a:path path="circle">
+            <a:fillToRect l="50000" t="50000" r="50000" b="50000"/>
+          </a:path>
+        </a:gradFill>
+        <a:effectLst/>
+      </p:bgPr>
+    </p:bg>
+    <p:spTree>
+      <p:nvGrpSpPr>
+        <p:cNvPr id="1" name=""/>
+        <p:cNvGrpSpPr/>
+        <p:nvPr/>
+      </p:nvGrpSpPr>
+      <p:grpSpPr>
+        <a:xfrm>
+          <a:off x="0" y="0"/>
+          <a:ext cx="0" cy="0"/>
+          <a:chOff x="0" y="0"/>
+          <a:chExt cx="0" cy="0"/>
+        </a:xfrm>
+      </p:grpSpPr>
+      <p:sp>
+        <p:nvSpPr>
+          <p:cNvPr id="2" name="Cím 1">
+            <a:extLst>
+              <a:ext uri="{FF2B5EF4-FFF2-40B4-BE49-F238E27FC236}">
+                <a16:creationId xmlns:a16="http://schemas.microsoft.com/office/drawing/2014/main" id="{60219450-931F-465B-B6B3-2BA8EBF446A7}"/>
+              </a:ext>
+            </a:extLst>
+          </p:cNvPr>
+          <p:cNvSpPr>
+            <a:spLocks noGrp="1"/>
+          </p:cNvSpPr>
+          <p:nvPr>
+            <p:ph type="title"/>
+          </p:nvPr>
+        </p:nvSpPr>
+        <p:spPr/>
+        <p:txBody>
+          <a:bodyPr/>
+          <a:lstStyle/>
+          <a:p>
+            <a:pPr algn="l"/>
+            <a:r>
+              <a:rPr lang="hu-HU" dirty="0"/>
+              <a:t>Weboldal</a:t>
+            </a:r>
+          </a:p>
+        </p:txBody>
+      </p:sp>
+      <p:sp>
+        <p:nvSpPr>
+          <p:cNvPr id="6" name="Tartalom helye 5">
+            <a:extLst>
+              <a:ext uri="{FF2B5EF4-FFF2-40B4-BE49-F238E27FC236}">
+                <a16:creationId xmlns:a16="http://schemas.microsoft.com/office/drawing/2014/main" id="{4D668684-819E-4C91-A0DD-75650E4317F6}"/>
+              </a:ext>
+            </a:extLst>
+          </p:cNvPr>
+          <p:cNvSpPr>
+            <a:spLocks noGrp="1"/>
+          </p:cNvSpPr>
+          <p:nvPr>
+            <p:ph idx="1"/>
+          </p:nvPr>
+        </p:nvSpPr>
+        <p:spPr>
+          <a:xfrm>
+            <a:off x="327989" y="1861782"/>
+            <a:ext cx="5711687" cy="4862146"/>
+          </a:xfrm>
+        </p:spPr>
+        <p:txBody>
+          <a:bodyPr/>
+          <a:lstStyle/>
+          <a:p>
+            <a:r>
+              <a:rPr lang="hu-HU" b="1" dirty="0"/>
+              <a:t>Bejelentkezés (bejelentkezes.html)</a:t>
+            </a:r>
+          </a:p>
+          <a:p>
+            <a:r>
+              <a:rPr lang="hu-HU" b="1" dirty="0"/>
+              <a:t>Látható</a:t>
+            </a:r>
+            <a:r>
+              <a:rPr lang="hu-HU" dirty="0"/>
+              <a:t>: Egy egyszerű bejelentkezési űrlap </a:t>
+            </a:r>
+            <a:r>
+              <a:rPr lang="hu-HU" dirty="0" err="1"/>
+              <a:t>Bootstrap</a:t>
+            </a:r>
+            <a:r>
+              <a:rPr lang="hu-HU" dirty="0"/>
+              <a:t> alapú dizájnnal, amely e-mail címet és jelszót kér. Van logó, "Regisztráció" és "Elfelejtett jelszó" link, valamint egy "Vissza a főoldalra" gomb.</a:t>
+            </a:r>
+          </a:p>
+          <a:p>
+            <a:r>
+              <a:rPr lang="hu-HU" b="1" dirty="0"/>
+              <a:t>Mit csinál</a:t>
+            </a:r>
+            <a:r>
+              <a:rPr lang="hu-HU" dirty="0"/>
+              <a:t>: Lehetővé teszi a felhasználók számára, hogy bejelentkezzenek a rendszerbe. A </a:t>
+            </a:r>
+            <a:r>
+              <a:rPr lang="hu-HU" dirty="0" err="1"/>
+              <a:t>form</a:t>
+            </a:r>
+            <a:r>
+              <a:rPr lang="hu-HU" dirty="0"/>
+              <a:t> adatokat POST metódussal küldi el (valószínűleg egy PHP </a:t>
+            </a:r>
+            <a:r>
+              <a:rPr lang="hu-HU" dirty="0" err="1"/>
+              <a:t>szkriptnek</a:t>
+            </a:r>
+            <a:r>
+              <a:rPr lang="hu-HU" dirty="0"/>
+              <a:t>).</a:t>
+            </a:r>
+          </a:p>
+          <a:p>
+            <a:pPr marL="0" indent="0">
+              <a:buNone/>
+            </a:pPr>
+            <a:endParaRPr lang="hu-HU" dirty="0"/>
+          </a:p>
+        </p:txBody>
+      </p:sp>
+      <p:pic>
+        <p:nvPicPr>
+          <p:cNvPr id="9" name="Kép 8">
+            <a:extLst>
+              <a:ext uri="{FF2B5EF4-FFF2-40B4-BE49-F238E27FC236}">
+                <a16:creationId xmlns:a16="http://schemas.microsoft.com/office/drawing/2014/main" id="{AB70D3F4-609B-477E-81A7-DD8A02BC1954}"/>
+              </a:ext>
+            </a:extLst>
+          </p:cNvPr>
+          <p:cNvPicPr>
+            <a:picLocks noChangeAspect="1"/>
+          </p:cNvPicPr>
+          <p:nvPr/>
+        </p:nvPicPr>
+        <p:blipFill>
+          <a:blip r:embed="rId2"/>
+          <a:stretch>
+            <a:fillRect/>
+          </a:stretch>
+        </p:blipFill>
+        <p:spPr>
+          <a:xfrm>
+            <a:off x="6152324" y="1479019"/>
+            <a:ext cx="5711687" cy="3064082"/>
+          </a:xfrm>
+          <a:prstGeom prst="rect">
+            <a:avLst/>
+          </a:prstGeom>
+        </p:spPr>
+      </p:pic>
+    </p:spTree>
+    <p:extLst>
+      <p:ext uri="{BB962C8B-B14F-4D97-AF65-F5344CB8AC3E}">
+        <p14:creationId xmlns:p14="http://schemas.microsoft.com/office/powerpoint/2010/main" val="1551443707"/>
+      </p:ext>
+    </p:extLst>
+  </p:cSld>
+  <p:clrMapOvr>
+    <a:masterClrMapping/>
+  </p:clrMapOvr>
+</p:sld>
+</file>
+
+<file path=ppt/slides/slide7.xml><?xml version="1.0" encoding="utf-8"?>
+<p:sld xmlns:a="http://schemas.openxmlformats.org/drawingml/2006/main" xmlns:r="http://schemas.openxmlformats.org/officeDocument/2006/relationships" xmlns:p="http://schemas.openxmlformats.org/presentationml/2006/main">
+  <p:cSld>
+    <p:bg>
+      <p:bgPr>
+        <a:gradFill rotWithShape="1">
+          <a:gsLst>
+            <a:gs pos="100000">
+              <a:srgbClr val="510D1F"/>
+            </a:gs>
+            <a:gs pos="100000">
+              <a:schemeClr val="bg1">
+                <a:shade val="80000"/>
+              </a:schemeClr>
+            </a:gs>
+          </a:gsLst>
+          <a:path path="circle">
+            <a:fillToRect l="50000" t="50000" r="50000" b="50000"/>
+          </a:path>
+        </a:gradFill>
+        <a:effectLst/>
+      </p:bgPr>
+    </p:bg>
+    <p:spTree>
+      <p:nvGrpSpPr>
+        <p:cNvPr id="1" name=""/>
+        <p:cNvGrpSpPr/>
+        <p:nvPr/>
+      </p:nvGrpSpPr>
+      <p:grpSpPr>
+        <a:xfrm>
+          <a:off x="0" y="0"/>
+          <a:ext cx="0" cy="0"/>
+          <a:chOff x="0" y="0"/>
+          <a:chExt cx="0" cy="0"/>
+        </a:xfrm>
+      </p:grpSpPr>
+      <p:sp>
+        <p:nvSpPr>
+          <p:cNvPr id="2" name="Cím 1">
+            <a:extLst>
+              <a:ext uri="{FF2B5EF4-FFF2-40B4-BE49-F238E27FC236}">
+                <a16:creationId xmlns:a16="http://schemas.microsoft.com/office/drawing/2014/main" id="{5D971B0F-CDF8-432E-9438-B8980FD4C0C8}"/>
+              </a:ext>
+            </a:extLst>
+          </p:cNvPr>
+          <p:cNvSpPr>
+            <a:spLocks noGrp="1"/>
+          </p:cNvSpPr>
+          <p:nvPr>
+            <p:ph type="title"/>
+          </p:nvPr>
+        </p:nvSpPr>
+        <p:spPr>
+          <a:xfrm>
+            <a:off x="1282614" y="867037"/>
+            <a:ext cx="9291215" cy="1049235"/>
+          </a:xfrm>
+        </p:spPr>
+        <p:txBody>
+          <a:bodyPr/>
+          <a:lstStyle/>
+          <a:p>
+            <a:pPr algn="l"/>
+            <a:r>
+              <a:rPr lang="hu-HU" dirty="0"/>
+              <a:t>Weboldal</a:t>
+            </a:r>
+          </a:p>
+        </p:txBody>
+      </p:sp>
+      <p:sp>
+        <p:nvSpPr>
+          <p:cNvPr id="3" name="Tartalom helye 2">
+            <a:extLst>
+              <a:ext uri="{FF2B5EF4-FFF2-40B4-BE49-F238E27FC236}">
+                <a16:creationId xmlns:a16="http://schemas.microsoft.com/office/drawing/2014/main" id="{89A94976-8FC0-49D4-B493-80B4439C9186}"/>
+              </a:ext>
+            </a:extLst>
+          </p:cNvPr>
+          <p:cNvSpPr>
+            <a:spLocks noGrp="1"/>
+          </p:cNvSpPr>
+          <p:nvPr>
+            <p:ph idx="1"/>
+          </p:nvPr>
+        </p:nvSpPr>
+        <p:spPr>
+          <a:xfrm>
+            <a:off x="188843" y="2015732"/>
+            <a:ext cx="5804453" cy="4713059"/>
+          </a:xfrm>
+        </p:spPr>
+        <p:txBody>
+          <a:bodyPr>
+            <a:normAutofit/>
+          </a:bodyPr>
+          <a:lstStyle/>
+          <a:p>
+            <a:r>
+              <a:rPr lang="hu-HU" b="1" dirty="0"/>
+              <a:t>8. Regisztráció (index.html a </a:t>
+            </a:r>
+            <a:r>
+              <a:rPr lang="hu-HU" b="1" dirty="0" err="1"/>
+              <a:t>regisztracio</a:t>
+            </a:r>
+            <a:r>
+              <a:rPr lang="hu-HU" b="1" dirty="0"/>
+              <a:t> mappában)</a:t>
+            </a:r>
+          </a:p>
+          <a:p>
+            <a:r>
+              <a:rPr lang="hu-HU" b="1" dirty="0"/>
+              <a:t>Látható</a:t>
+            </a:r>
+            <a:r>
+              <a:rPr lang="hu-HU" dirty="0"/>
+              <a:t>: Regisztrációs űrlap: </a:t>
+            </a:r>
+          </a:p>
+          <a:p>
+            <a:pPr lvl="1"/>
+            <a:r>
+              <a:rPr lang="hu-HU" dirty="0"/>
+              <a:t>Felhasználónév, e-mail, jelszó, születési dátum mezők.</a:t>
+            </a:r>
+          </a:p>
+          <a:p>
+            <a:pPr lvl="1"/>
+            <a:r>
+              <a:rPr lang="hu-HU" dirty="0"/>
+              <a:t>Logó, "Regisztrálás" gomb, "Vissza a főoldalra" link.</a:t>
+            </a:r>
+          </a:p>
+          <a:p>
+            <a:pPr lvl="1"/>
+            <a:r>
+              <a:rPr lang="hu-HU" dirty="0"/>
+              <a:t>Hiba- és sikerüzenetek helye.</a:t>
+            </a:r>
+          </a:p>
+          <a:p>
+            <a:r>
+              <a:rPr lang="hu-HU" b="1" dirty="0"/>
+              <a:t>Mit csinál</a:t>
+            </a:r>
+            <a:r>
+              <a:rPr lang="hu-HU" dirty="0"/>
+              <a:t>: Új felhasználók regisztrálását teszi lehetővé, az adatokat POST metódussal küldi (valószínűleg egy PHP </a:t>
+            </a:r>
+            <a:r>
+              <a:rPr lang="hu-HU" dirty="0" err="1"/>
+              <a:t>szkriptnek</a:t>
+            </a:r>
+            <a:r>
+              <a:rPr lang="hu-HU" dirty="0"/>
+              <a:t>).</a:t>
+            </a:r>
+          </a:p>
+          <a:p>
+            <a:endParaRPr lang="hu-HU" dirty="0"/>
+          </a:p>
+        </p:txBody>
+      </p:sp>
+      <p:pic>
+        <p:nvPicPr>
+          <p:cNvPr id="4" name="Kép 3">
+            <a:extLst>
+              <a:ext uri="{FF2B5EF4-FFF2-40B4-BE49-F238E27FC236}">
+                <a16:creationId xmlns:a16="http://schemas.microsoft.com/office/drawing/2014/main" id="{0FC8BB97-32AD-4BB7-B5C3-D9A974090EB1}"/>
+              </a:ext>
+            </a:extLst>
+          </p:cNvPr>
+          <p:cNvPicPr>
+            <a:picLocks noChangeAspect="1"/>
+          </p:cNvPicPr>
+          <p:nvPr/>
+        </p:nvPicPr>
+        <p:blipFill>
+          <a:blip r:embed="rId2"/>
+          <a:stretch>
+            <a:fillRect/>
+          </a:stretch>
+        </p:blipFill>
+        <p:spPr>
+          <a:xfrm>
+            <a:off x="5993296" y="380607"/>
+            <a:ext cx="6096000" cy="3270250"/>
+          </a:xfrm>
+          <a:prstGeom prst="rect">
+            <a:avLst/>
+          </a:prstGeom>
+        </p:spPr>
+      </p:pic>
+    </p:spTree>
+    <p:extLst>
+      <p:ext uri="{BB962C8B-B14F-4D97-AF65-F5344CB8AC3E}">
+        <p14:creationId xmlns:p14="http://schemas.microsoft.com/office/powerpoint/2010/main" val="2316947629"/>
+      </p:ext>
+    </p:extLst>
+  </p:cSld>
+  <p:clrMapOvr>
+    <a:masterClrMapping/>
+  </p:clrMapOvr>
+</p:sld>
+</file>
+
+<file path=ppt/slides/slide8.xml><?xml version="1.0" encoding="utf-8"?>
+<p:sld xmlns:a="http://schemas.openxmlformats.org/drawingml/2006/main" xmlns:r="http://schemas.openxmlformats.org/officeDocument/2006/relationships" xmlns:p="http://schemas.openxmlformats.org/presentationml/2006/main">
+  <p:cSld>
+    <p:bg>
+      <p:bgPr>
+        <a:gradFill rotWithShape="1">
+          <a:gsLst>
+            <a:gs pos="100000">
+              <a:srgbClr val="510D1F"/>
+            </a:gs>
+            <a:gs pos="100000">
+              <a:schemeClr val="bg1">
+                <a:shade val="80000"/>
+              </a:schemeClr>
+            </a:gs>
+          </a:gsLst>
+          <a:path path="circle">
+            <a:fillToRect l="50000" t="50000" r="50000" b="50000"/>
+          </a:path>
+        </a:gradFill>
+        <a:effectLst/>
+      </p:bgPr>
+    </p:bg>
+    <p:spTree>
+      <p:nvGrpSpPr>
+        <p:cNvPr id="1" name=""/>
+        <p:cNvGrpSpPr/>
+        <p:nvPr/>
+      </p:nvGrpSpPr>
+      <p:grpSpPr>
+        <a:xfrm>
+          <a:off x="0" y="0"/>
+          <a:ext cx="0" cy="0"/>
+          <a:chOff x="0" y="0"/>
+          <a:chExt cx="0" cy="0"/>
+        </a:xfrm>
+      </p:grpSpPr>
+      <p:sp>
+        <p:nvSpPr>
+          <p:cNvPr id="2" name="Cím 1">
+            <a:extLst>
+              <a:ext uri="{FF2B5EF4-FFF2-40B4-BE49-F238E27FC236}">
+                <a16:creationId xmlns:a16="http://schemas.microsoft.com/office/drawing/2014/main" id="{04CEBC3B-6BA6-4B32-82EC-C36EE03327C7}"/>
+              </a:ext>
+            </a:extLst>
+          </p:cNvPr>
+          <p:cNvSpPr>
+            <a:spLocks noGrp="1"/>
+          </p:cNvSpPr>
+          <p:nvPr>
+            <p:ph type="title"/>
+          </p:nvPr>
+        </p:nvSpPr>
+        <p:spPr>
+          <a:xfrm>
+            <a:off x="1450392" y="824397"/>
+            <a:ext cx="9291215" cy="1049235"/>
+          </a:xfrm>
+        </p:spPr>
+        <p:txBody>
+          <a:bodyPr/>
+          <a:lstStyle/>
+          <a:p>
+            <a:pPr algn="r"/>
+            <a:r>
+              <a:rPr lang="hu-HU" dirty="0"/>
+              <a:t>weboldal</a:t>
+            </a:r>
+          </a:p>
+        </p:txBody>
+      </p:sp>
+      <p:sp>
+        <p:nvSpPr>
+          <p:cNvPr id="3" name="Tartalom helye 2">
+            <a:extLst>
+              <a:ext uri="{FF2B5EF4-FFF2-40B4-BE49-F238E27FC236}">
+                <a16:creationId xmlns:a16="http://schemas.microsoft.com/office/drawing/2014/main" id="{079C61B8-1B55-4A2B-A492-E47C4E8AFCC3}"/>
+              </a:ext>
+            </a:extLst>
+          </p:cNvPr>
+          <p:cNvSpPr>
+            <a:spLocks noGrp="1"/>
+          </p:cNvSpPr>
+          <p:nvPr>
+            <p:ph idx="1"/>
+          </p:nvPr>
+        </p:nvSpPr>
+        <p:spPr>
+          <a:xfrm>
+            <a:off x="159493" y="715618"/>
+            <a:ext cx="4233604" cy="5416825"/>
+          </a:xfrm>
+        </p:spPr>
+        <p:txBody>
+          <a:bodyPr>
+            <a:normAutofit fontScale="85000" lnSpcReduction="20000"/>
+          </a:bodyPr>
+          <a:lstStyle/>
+          <a:p>
+            <a:r>
+              <a:rPr lang="hu-HU" b="1" dirty="0"/>
+              <a:t>Játék (index.html a </a:t>
+            </a:r>
+            <a:r>
+              <a:rPr lang="hu-HU" b="1" dirty="0" err="1"/>
+              <a:t>jatek</a:t>
+            </a:r>
+            <a:r>
+              <a:rPr lang="hu-HU" b="1" dirty="0"/>
+              <a:t> mappában)</a:t>
+            </a:r>
+          </a:p>
+          <a:p>
+            <a:r>
+              <a:rPr lang="hu-HU" b="1" dirty="0"/>
+              <a:t>Látható</a:t>
+            </a:r>
+            <a:r>
+              <a:rPr lang="hu-HU" dirty="0"/>
+              <a:t>: Egy "Pálinkavadász" nevű játék felület: </a:t>
+            </a:r>
+          </a:p>
+          <a:p>
+            <a:pPr lvl="1"/>
+            <a:r>
+              <a:rPr lang="hu-HU" dirty="0"/>
+              <a:t>Navigációs sáv (Főoldal, Webshop, Pálinka készítés).</a:t>
+            </a:r>
+          </a:p>
+          <a:p>
+            <a:pPr lvl="1"/>
+            <a:r>
+              <a:rPr lang="hu-HU" dirty="0"/>
+              <a:t>UI panel pontszámmal, életekkel, játékos nevével.</a:t>
+            </a:r>
+          </a:p>
+          <a:p>
+            <a:pPr lvl="1"/>
+            <a:r>
+              <a:rPr lang="hu-HU" dirty="0"/>
+              <a:t>Játékszabályzat (WASD mozgás, pálinka gyűjtés, akadályok kerülése).</a:t>
+            </a:r>
+          </a:p>
+          <a:p>
+            <a:pPr lvl="1"/>
+            <a:r>
+              <a:rPr lang="hu-HU" dirty="0"/>
+              <a:t>Vászon (</a:t>
+            </a:r>
+            <a:r>
+              <a:rPr lang="hu-HU" dirty="0" err="1"/>
+              <a:t>canvas</a:t>
+            </a:r>
+            <a:r>
+              <a:rPr lang="hu-HU" dirty="0"/>
+              <a:t>) a játékhoz és egy "Játék indítása" gomb.</a:t>
+            </a:r>
+          </a:p>
+          <a:p>
+            <a:pPr lvl="1"/>
+            <a:r>
+              <a:rPr lang="hu-HU" dirty="0"/>
+              <a:t>Ranglista (</a:t>
+            </a:r>
+            <a:r>
+              <a:rPr lang="hu-HU" dirty="0" err="1"/>
+              <a:t>leaderboard</a:t>
+            </a:r>
+            <a:r>
+              <a:rPr lang="hu-HU" dirty="0"/>
+              <a:t>).</a:t>
+            </a:r>
+          </a:p>
+          <a:p>
+            <a:r>
+              <a:rPr lang="hu-HU" b="1" dirty="0"/>
+              <a:t>Mit csinál</a:t>
+            </a:r>
+            <a:r>
+              <a:rPr lang="hu-HU" dirty="0"/>
+              <a:t>: Egy egyszerű böngészős játék, ahol pálinkát kell gyűjteni billentyűzettel, miközben akadályokat kerülünk. A pontszámokat valószínűleg az adatbázisban tárolja (</a:t>
+            </a:r>
+            <a:r>
+              <a:rPr lang="hu-HU" dirty="0" err="1"/>
+              <a:t>scores</a:t>
+            </a:r>
+            <a:r>
+              <a:rPr lang="hu-HU" dirty="0"/>
+              <a:t> tábla).</a:t>
+            </a:r>
+          </a:p>
+          <a:p>
+            <a:endParaRPr lang="hu-HU" dirty="0"/>
+          </a:p>
+        </p:txBody>
+      </p:sp>
+      <p:pic>
+        <p:nvPicPr>
+          <p:cNvPr id="5" name="Kép 4">
+            <a:extLst>
+              <a:ext uri="{FF2B5EF4-FFF2-40B4-BE49-F238E27FC236}">
+                <a16:creationId xmlns:a16="http://schemas.microsoft.com/office/drawing/2014/main" id="{F755389B-8A04-488C-AED9-93A9A4D63016}"/>
+              </a:ext>
+            </a:extLst>
+          </p:cNvPr>
+          <p:cNvPicPr>
+            <a:picLocks noChangeAspect="1"/>
+          </p:cNvPicPr>
+          <p:nvPr/>
+        </p:nvPicPr>
+        <p:blipFill>
+          <a:blip r:embed="rId2"/>
+          <a:stretch>
+            <a:fillRect/>
+          </a:stretch>
+        </p:blipFill>
+        <p:spPr>
+          <a:xfrm>
+            <a:off x="4456018" y="1873632"/>
+            <a:ext cx="7735982" cy="4150032"/>
+          </a:xfrm>
+          <a:prstGeom prst="rect">
+            <a:avLst/>
+          </a:prstGeom>
+        </p:spPr>
+      </p:pic>
+    </p:spTree>
+    <p:extLst>
+      <p:ext uri="{BB962C8B-B14F-4D97-AF65-F5344CB8AC3E}">
+        <p14:creationId xmlns:p14="http://schemas.microsoft.com/office/powerpoint/2010/main" val="2143569119"/>
+      </p:ext>
+    </p:extLst>
+  </p:cSld>
+  <p:clrMapOvr>
+    <a:masterClrMapping/>
+  </p:clrMapOvr>
+</p:sld>
+</file>
+
+<file path=ppt/slides/slide9.xml><?xml version="1.0" encoding="utf-8"?>
+<p:sld xmlns:a="http://schemas.openxmlformats.org/drawingml/2006/main" xmlns:r="http://schemas.openxmlformats.org/officeDocument/2006/relationships" xmlns:p="http://schemas.openxmlformats.org/presentationml/2006/main">
+  <p:cSld>
+    <p:bg>
+      <p:bgPr>
+        <a:gradFill rotWithShape="1">
+          <a:gsLst>
+            <a:gs pos="100000">
+              <a:srgbClr val="510D1F"/>
+            </a:gs>
+            <a:gs pos="100000">
+              <a:schemeClr val="bg1">
+                <a:shade val="80000"/>
+              </a:schemeClr>
+            </a:gs>
+          </a:gsLst>
+          <a:path path="circle">
+            <a:fillToRect l="50000" t="50000" r="50000" b="50000"/>
+          </a:path>
+        </a:gradFill>
+        <a:effectLst/>
+      </p:bgPr>
+    </p:bg>
+    <p:spTree>
+      <p:nvGrpSpPr>
+        <p:cNvPr id="1" name=""/>
+        <p:cNvGrpSpPr/>
+        <p:nvPr/>
+      </p:nvGrpSpPr>
+      <p:grpSpPr>
+        <a:xfrm>
+          <a:off x="0" y="0"/>
+          <a:ext cx="0" cy="0"/>
+          <a:chOff x="0" y="0"/>
+          <a:chExt cx="0" cy="0"/>
+        </a:xfrm>
+      </p:grpSpPr>
+      <p:sp>
+        <p:nvSpPr>
+          <p:cNvPr id="2" name="Cím 1">
+            <a:extLst>
+              <a:ext uri="{FF2B5EF4-FFF2-40B4-BE49-F238E27FC236}">
+                <a16:creationId xmlns:a16="http://schemas.microsoft.com/office/drawing/2014/main" id="{22397272-6DAB-4248-8360-B61C9EE04F60}"/>
+              </a:ext>
+            </a:extLst>
+          </p:cNvPr>
+          <p:cNvSpPr>
+            <a:spLocks noGrp="1"/>
+          </p:cNvSpPr>
+          <p:nvPr>
+            <p:ph type="title"/>
+          </p:nvPr>
+        </p:nvSpPr>
+        <p:spPr/>
+        <p:txBody>
+          <a:bodyPr/>
+          <a:lstStyle/>
+          <a:p>
+            <a:pPr algn="l"/>
+            <a:r>
+              <a:rPr lang="hu-HU" dirty="0"/>
+              <a:t>Weboldal</a:t>
+            </a:r>
+          </a:p>
+        </p:txBody>
+      </p:sp>
+      <p:sp>
+        <p:nvSpPr>
+          <p:cNvPr id="3" name="Tartalom helye 2">
+            <a:extLst>
+              <a:ext uri="{FF2B5EF4-FFF2-40B4-BE49-F238E27FC236}">
+                <a16:creationId xmlns:a16="http://schemas.microsoft.com/office/drawing/2014/main" id="{E1795B14-096C-484F-A3AD-A3DC51EF28A3}"/>
+              </a:ext>
+            </a:extLst>
+          </p:cNvPr>
+          <p:cNvSpPr>
+            <a:spLocks noGrp="1"/>
+          </p:cNvSpPr>
+          <p:nvPr>
+            <p:ph idx="1"/>
+          </p:nvPr>
+        </p:nvSpPr>
+        <p:spPr>
+          <a:xfrm>
+            <a:off x="248945" y="1707619"/>
+            <a:ext cx="5535630" cy="4603729"/>
+          </a:xfrm>
+        </p:spPr>
+        <p:txBody>
+          <a:bodyPr>
+            <a:normAutofit fontScale="92500" lnSpcReduction="20000"/>
+          </a:bodyPr>
+          <a:lstStyle/>
+          <a:p>
+            <a:r>
+              <a:rPr lang="hu-HU" b="1" dirty="0"/>
+              <a:t>Webshop (index.html a webshop mappában)</a:t>
+            </a:r>
+          </a:p>
+          <a:p>
+            <a:r>
+              <a:rPr lang="hu-HU" b="1" dirty="0"/>
+              <a:t>Látható</a:t>
+            </a:r>
+            <a:r>
+              <a:rPr lang="hu-HU" dirty="0"/>
+              <a:t>: Webshop felület: </a:t>
+            </a:r>
+          </a:p>
+          <a:p>
+            <a:pPr lvl="1"/>
+            <a:r>
+              <a:rPr lang="hu-HU" dirty="0"/>
+              <a:t>Navigációs sáv (Főoldal, Pálinka készítés, Játék, Bejelentkezés, Kosár).</a:t>
+            </a:r>
+          </a:p>
+          <a:p>
+            <a:pPr lvl="1"/>
+            <a:r>
+              <a:rPr lang="hu-HU" dirty="0"/>
+              <a:t>Termékek megjelenítése (üres konténer, dinamikusan töltődik).</a:t>
+            </a:r>
+          </a:p>
+          <a:p>
+            <a:pPr lvl="1"/>
+            <a:r>
+              <a:rPr lang="hu-HU" dirty="0"/>
+              <a:t>Lábléc elérhetőségekkel és készítők fotóival.</a:t>
+            </a:r>
+          </a:p>
+          <a:p>
+            <a:pPr lvl="1"/>
+            <a:r>
+              <a:rPr lang="hu-HU" dirty="0"/>
+              <a:t>Kijelentkezési és kosár értesítési </a:t>
+            </a:r>
+            <a:r>
+              <a:rPr lang="hu-HU" dirty="0" err="1"/>
+              <a:t>modál</a:t>
+            </a:r>
+            <a:r>
+              <a:rPr lang="hu-HU" dirty="0"/>
+              <a:t> ablakok.</a:t>
+            </a:r>
+          </a:p>
+          <a:p>
+            <a:r>
+              <a:rPr lang="hu-HU" b="1" dirty="0"/>
+              <a:t>Mit csinál</a:t>
+            </a:r>
+            <a:r>
+              <a:rPr lang="hu-HU" dirty="0"/>
+              <a:t>: Pálinkák vásárlására szolgál, a kosár tartalmát mutatja (valószínűleg JavaScripttel frissül). A termékek az adatbázisból (</a:t>
+            </a:r>
+            <a:r>
+              <a:rPr lang="hu-HU" dirty="0" err="1"/>
+              <a:t>palinka</a:t>
+            </a:r>
+            <a:r>
+              <a:rPr lang="hu-HU" dirty="0"/>
+              <a:t> tábla) töltődnek be.</a:t>
+            </a:r>
+          </a:p>
+          <a:p>
+            <a:endParaRPr lang="hu-HU" dirty="0"/>
+          </a:p>
+        </p:txBody>
+      </p:sp>
+      <p:pic>
+        <p:nvPicPr>
+          <p:cNvPr id="5" name="Kép 4">
+            <a:extLst>
+              <a:ext uri="{FF2B5EF4-FFF2-40B4-BE49-F238E27FC236}">
+                <a16:creationId xmlns:a16="http://schemas.microsoft.com/office/drawing/2014/main" id="{FCF2FEC9-95C7-4DAF-90A0-50BB1AD957AA}"/>
+              </a:ext>
+            </a:extLst>
+          </p:cNvPr>
+          <p:cNvPicPr>
+            <a:picLocks noChangeAspect="1"/>
+          </p:cNvPicPr>
+          <p:nvPr/>
+        </p:nvPicPr>
+        <p:blipFill>
+          <a:blip r:embed="rId2"/>
+          <a:stretch>
+            <a:fillRect/>
+          </a:stretch>
+        </p:blipFill>
+        <p:spPr>
+          <a:xfrm>
+            <a:off x="5854149" y="1329136"/>
+            <a:ext cx="6407425" cy="3437317"/>
+          </a:xfrm>
+          <a:prstGeom prst="rect">
+            <a:avLst/>
+          </a:prstGeom>
+        </p:spPr>
+      </p:pic>
+    </p:spTree>
+    <p:extLst>
+      <p:ext uri="{BB962C8B-B14F-4D97-AF65-F5344CB8AC3E}">
+        <p14:creationId xmlns:p14="http://schemas.microsoft.com/office/powerpoint/2010/main" val="351257561"/>
       </p:ext>
     </p:extLst>
   </p:cSld>
